--- a/HW1/架構圖.pptx
+++ b/HW1/架構圖.pptx
@@ -260,7 +260,7 @@
           <a:p>
             <a:fld id="{8CB5F72D-0A1E-4053-9722-99B1F933BAB2}" type="datetimeFigureOut">
               <a:rPr lang="zh-TW" altLang="en-US" smtClean="0"/>
-              <a:t>2024/11/7</a:t>
+              <a:t>2025/1/2</a:t>
             </a:fld>
             <a:endParaRPr lang="zh-TW" altLang="en-US"/>
           </a:p>
@@ -458,7 +458,7 @@
           <a:p>
             <a:fld id="{8CB5F72D-0A1E-4053-9722-99B1F933BAB2}" type="datetimeFigureOut">
               <a:rPr lang="zh-TW" altLang="en-US" smtClean="0"/>
-              <a:t>2024/11/7</a:t>
+              <a:t>2025/1/2</a:t>
             </a:fld>
             <a:endParaRPr lang="zh-TW" altLang="en-US"/>
           </a:p>
@@ -666,7 +666,7 @@
           <a:p>
             <a:fld id="{8CB5F72D-0A1E-4053-9722-99B1F933BAB2}" type="datetimeFigureOut">
               <a:rPr lang="zh-TW" altLang="en-US" smtClean="0"/>
-              <a:t>2024/11/7</a:t>
+              <a:t>2025/1/2</a:t>
             </a:fld>
             <a:endParaRPr lang="zh-TW" altLang="en-US"/>
           </a:p>
@@ -864,7 +864,7 @@
           <a:p>
             <a:fld id="{8CB5F72D-0A1E-4053-9722-99B1F933BAB2}" type="datetimeFigureOut">
               <a:rPr lang="zh-TW" altLang="en-US" smtClean="0"/>
-              <a:t>2024/11/7</a:t>
+              <a:t>2025/1/2</a:t>
             </a:fld>
             <a:endParaRPr lang="zh-TW" altLang="en-US"/>
           </a:p>
@@ -1139,7 +1139,7 @@
           <a:p>
             <a:fld id="{8CB5F72D-0A1E-4053-9722-99B1F933BAB2}" type="datetimeFigureOut">
               <a:rPr lang="zh-TW" altLang="en-US" smtClean="0"/>
-              <a:t>2024/11/7</a:t>
+              <a:t>2025/1/2</a:t>
             </a:fld>
             <a:endParaRPr lang="zh-TW" altLang="en-US"/>
           </a:p>
@@ -1404,7 +1404,7 @@
           <a:p>
             <a:fld id="{8CB5F72D-0A1E-4053-9722-99B1F933BAB2}" type="datetimeFigureOut">
               <a:rPr lang="zh-TW" altLang="en-US" smtClean="0"/>
-              <a:t>2024/11/7</a:t>
+              <a:t>2025/1/2</a:t>
             </a:fld>
             <a:endParaRPr lang="zh-TW" altLang="en-US"/>
           </a:p>
@@ -1816,7 +1816,7 @@
           <a:p>
             <a:fld id="{8CB5F72D-0A1E-4053-9722-99B1F933BAB2}" type="datetimeFigureOut">
               <a:rPr lang="zh-TW" altLang="en-US" smtClean="0"/>
-              <a:t>2024/11/7</a:t>
+              <a:t>2025/1/2</a:t>
             </a:fld>
             <a:endParaRPr lang="zh-TW" altLang="en-US"/>
           </a:p>
@@ -1957,7 +1957,7 @@
           <a:p>
             <a:fld id="{8CB5F72D-0A1E-4053-9722-99B1F933BAB2}" type="datetimeFigureOut">
               <a:rPr lang="zh-TW" altLang="en-US" smtClean="0"/>
-              <a:t>2024/11/7</a:t>
+              <a:t>2025/1/2</a:t>
             </a:fld>
             <a:endParaRPr lang="zh-TW" altLang="en-US"/>
           </a:p>
@@ -2070,7 +2070,7 @@
           <a:p>
             <a:fld id="{8CB5F72D-0A1E-4053-9722-99B1F933BAB2}" type="datetimeFigureOut">
               <a:rPr lang="zh-TW" altLang="en-US" smtClean="0"/>
-              <a:t>2024/11/7</a:t>
+              <a:t>2025/1/2</a:t>
             </a:fld>
             <a:endParaRPr lang="zh-TW" altLang="en-US"/>
           </a:p>
@@ -2381,7 +2381,7 @@
           <a:p>
             <a:fld id="{8CB5F72D-0A1E-4053-9722-99B1F933BAB2}" type="datetimeFigureOut">
               <a:rPr lang="zh-TW" altLang="en-US" smtClean="0"/>
-              <a:t>2024/11/7</a:t>
+              <a:t>2025/1/2</a:t>
             </a:fld>
             <a:endParaRPr lang="zh-TW" altLang="en-US"/>
           </a:p>
@@ -2669,7 +2669,7 @@
           <a:p>
             <a:fld id="{8CB5F72D-0A1E-4053-9722-99B1F933BAB2}" type="datetimeFigureOut">
               <a:rPr lang="zh-TW" altLang="en-US" smtClean="0"/>
-              <a:t>2024/11/7</a:t>
+              <a:t>2025/1/2</a:t>
             </a:fld>
             <a:endParaRPr lang="zh-TW" altLang="en-US"/>
           </a:p>
@@ -2910,7 +2910,7 @@
           <a:p>
             <a:fld id="{8CB5F72D-0A1E-4053-9722-99B1F933BAB2}" type="datetimeFigureOut">
               <a:rPr lang="zh-TW" altLang="en-US" smtClean="0"/>
-              <a:t>2024/11/7</a:t>
+              <a:t>2025/1/2</a:t>
             </a:fld>
             <a:endParaRPr lang="zh-TW" altLang="en-US"/>
           </a:p>
@@ -3341,13 +3341,18 @@
         </p:nvSpPr>
         <p:spPr>
           <a:xfrm>
-            <a:off x="4607511" y="284085"/>
+            <a:off x="4944003" y="1372257"/>
             <a:ext cx="2503503" cy="603682"/>
           </a:xfrm>
           <a:prstGeom prst="roundRect">
             <a:avLst/>
           </a:prstGeom>
           <a:noFill/>
+          <a:ln w="38100">
+            <a:solidFill>
+              <a:srgbClr val="FF0000"/>
+            </a:solidFill>
+          </a:ln>
         </p:spPr>
         <p:style>
           <a:lnRef idx="2">
@@ -3388,7 +3393,7 @@
         </p:nvSpPr>
         <p:spPr>
           <a:xfrm>
-            <a:off x="5288131" y="401260"/>
+            <a:off x="5624623" y="1489432"/>
             <a:ext cx="1142261" cy="369332"/>
           </a:xfrm>
           <a:prstGeom prst="rect">
@@ -3426,7 +3431,7 @@
         </p:nvGrpSpPr>
         <p:grpSpPr>
           <a:xfrm>
-            <a:off x="1369940" y="1467173"/>
+            <a:off x="1706432" y="2555345"/>
             <a:ext cx="1367161" cy="495670"/>
             <a:chOff x="545977" y="1405492"/>
             <a:chExt cx="1367161" cy="495670"/>
@@ -3453,6 +3458,11 @@
               <a:avLst/>
             </a:prstGeom>
             <a:noFill/>
+            <a:ln w="38100">
+              <a:solidFill>
+                <a:srgbClr val="FF0000"/>
+              </a:solidFill>
+            </a:ln>
           </p:spPr>
           <p:style>
             <a:lnRef idx="2">
@@ -3543,7 +3553,7 @@
         </p:nvGrpSpPr>
         <p:grpSpPr>
           <a:xfrm>
-            <a:off x="3374996" y="1467173"/>
+            <a:off x="3711488" y="2555345"/>
             <a:ext cx="1180730" cy="495670"/>
             <a:chOff x="639193" y="1405492"/>
             <a:chExt cx="1180730" cy="495670"/>
@@ -3570,6 +3580,11 @@
               <a:avLst/>
             </a:prstGeom>
             <a:noFill/>
+            <a:ln w="38100">
+              <a:solidFill>
+                <a:srgbClr val="FF0000"/>
+              </a:solidFill>
+            </a:ln>
           </p:spPr>
           <p:style>
             <a:lnRef idx="2">
@@ -3655,9 +3670,9 @@
         </p:nvGrpSpPr>
         <p:grpSpPr>
           <a:xfrm>
-            <a:off x="4989526" y="1446127"/>
+            <a:off x="5356189" y="2535102"/>
             <a:ext cx="2074416" cy="840307"/>
-            <a:chOff x="612557" y="1360939"/>
+            <a:chOff x="633245" y="1361733"/>
             <a:chExt cx="1422368" cy="830997"/>
           </a:xfrm>
         </p:grpSpPr>
@@ -3682,6 +3697,11 @@
               <a:avLst/>
             </a:prstGeom>
             <a:noFill/>
+            <a:ln w="38100">
+              <a:solidFill>
+                <a:srgbClr val="FF0000"/>
+              </a:solidFill>
+            </a:ln>
           </p:spPr>
           <p:style>
             <a:lnRef idx="2">
@@ -3722,13 +3742,16 @@
           </p:nvSpPr>
           <p:spPr>
             <a:xfrm>
-              <a:off x="612557" y="1360939"/>
+              <a:off x="633245" y="1361733"/>
               <a:ext cx="1422368" cy="830997"/>
             </a:xfrm>
             <a:prstGeom prst="rect">
               <a:avLst/>
             </a:prstGeom>
             <a:noFill/>
+            <a:ln w="38100">
+              <a:noFill/>
+            </a:ln>
           </p:spPr>
           <p:txBody>
             <a:bodyPr wrap="square" rtlCol="0">
@@ -3799,7 +3822,7 @@
         </p:nvGrpSpPr>
         <p:grpSpPr>
           <a:xfrm>
-            <a:off x="7193986" y="1528854"/>
+            <a:off x="7530478" y="2617026"/>
             <a:ext cx="1566908" cy="495670"/>
             <a:chOff x="639193" y="1405492"/>
             <a:chExt cx="1566908" cy="495670"/>
@@ -3826,6 +3849,11 @@
               <a:avLst/>
             </a:prstGeom>
             <a:noFill/>
+            <a:ln w="38100">
+              <a:solidFill>
+                <a:srgbClr val="FF0000"/>
+              </a:solidFill>
+            </a:ln>
           </p:spPr>
           <p:style>
             <a:lnRef idx="2">
@@ -3909,7 +3937,7 @@
         </p:nvGrpSpPr>
         <p:grpSpPr>
           <a:xfrm>
-            <a:off x="9074458" y="1467173"/>
+            <a:off x="9410950" y="2555345"/>
             <a:ext cx="1438184" cy="495670"/>
             <a:chOff x="639193" y="1405492"/>
             <a:chExt cx="1438184" cy="495670"/>
@@ -3936,6 +3964,11 @@
               <a:avLst/>
             </a:prstGeom>
             <a:noFill/>
+            <a:ln w="38100">
+              <a:solidFill>
+                <a:srgbClr val="FF0000"/>
+              </a:solidFill>
+            </a:ln>
           </p:spPr>
           <p:style>
             <a:lnRef idx="2">
@@ -4019,13 +4052,16 @@
         </p:nvCxnSpPr>
         <p:spPr>
           <a:xfrm>
-            <a:off x="5859263" y="887767"/>
-            <a:ext cx="167471" cy="558360"/>
+            <a:off x="6195755" y="1975939"/>
+            <a:ext cx="197642" cy="559163"/>
           </a:xfrm>
           <a:prstGeom prst="straightConnector1">
             <a:avLst/>
           </a:prstGeom>
-          <a:ln>
+          <a:ln w="19050">
+            <a:solidFill>
+              <a:srgbClr val="FF0000"/>
+            </a:solidFill>
             <a:tailEnd type="triangle"/>
           </a:ln>
         </p:spPr>
@@ -4062,13 +4098,16 @@
         </p:nvCxnSpPr>
         <p:spPr>
           <a:xfrm flipH="1">
-            <a:off x="2053521" y="887767"/>
+            <a:off x="2390013" y="1975939"/>
             <a:ext cx="3805742" cy="579406"/>
           </a:xfrm>
           <a:prstGeom prst="straightConnector1">
             <a:avLst/>
           </a:prstGeom>
-          <a:ln>
+          <a:ln w="19050">
+            <a:solidFill>
+              <a:srgbClr val="FF0000"/>
+            </a:solidFill>
             <a:tailEnd type="triangle"/>
           </a:ln>
         </p:spPr>
@@ -4105,13 +4144,16 @@
         </p:nvCxnSpPr>
         <p:spPr>
           <a:xfrm>
-            <a:off x="5859263" y="887767"/>
+            <a:off x="6195755" y="1975939"/>
             <a:ext cx="1925088" cy="641087"/>
           </a:xfrm>
           <a:prstGeom prst="straightConnector1">
             <a:avLst/>
           </a:prstGeom>
-          <a:ln>
+          <a:ln w="19050">
+            <a:solidFill>
+              <a:srgbClr val="FF0000"/>
+            </a:solidFill>
             <a:tailEnd type="triangle"/>
           </a:ln>
         </p:spPr>
@@ -4148,13 +4190,16 @@
         </p:nvCxnSpPr>
         <p:spPr>
           <a:xfrm>
-            <a:off x="5859263" y="887767"/>
+            <a:off x="6195755" y="1975939"/>
             <a:ext cx="3805560" cy="579406"/>
           </a:xfrm>
           <a:prstGeom prst="straightConnector1">
             <a:avLst/>
           </a:prstGeom>
-          <a:ln>
+          <a:ln w="19050">
+            <a:solidFill>
+              <a:srgbClr val="FF0000"/>
+            </a:solidFill>
             <a:tailEnd type="triangle"/>
           </a:ln>
         </p:spPr>
@@ -4191,13 +4236,16 @@
         </p:nvCxnSpPr>
         <p:spPr>
           <a:xfrm flipH="1">
-            <a:off x="3965361" y="887767"/>
+            <a:off x="4301853" y="1975939"/>
             <a:ext cx="1893902" cy="579406"/>
           </a:xfrm>
           <a:prstGeom prst="straightConnector1">
             <a:avLst/>
           </a:prstGeom>
-          <a:ln>
+          <a:ln w="19050">
+            <a:solidFill>
+              <a:srgbClr val="FF0000"/>
+            </a:solidFill>
             <a:tailEnd type="triangle"/>
           </a:ln>
         </p:spPr>
@@ -4230,7 +4278,7 @@
         </p:nvGrpSpPr>
         <p:grpSpPr>
           <a:xfrm>
-            <a:off x="0" y="2727450"/>
+            <a:off x="336492" y="3815622"/>
             <a:ext cx="1367161" cy="495670"/>
             <a:chOff x="545977" y="1405492"/>
             <a:chExt cx="1367161" cy="495670"/>
@@ -4257,6 +4305,11 @@
               <a:avLst/>
             </a:prstGeom>
             <a:noFill/>
+            <a:ln w="38100">
+              <a:solidFill>
+                <a:srgbClr val="FF0000"/>
+              </a:solidFill>
+            </a:ln>
           </p:spPr>
           <p:style>
             <a:lnRef idx="2">
@@ -4347,13 +4400,16 @@
         </p:nvCxnSpPr>
         <p:spPr>
           <a:xfrm flipH="1">
-            <a:off x="683581" y="1962843"/>
+            <a:off x="1020073" y="3051015"/>
             <a:ext cx="1369940" cy="764607"/>
           </a:xfrm>
           <a:prstGeom prst="straightConnector1">
             <a:avLst/>
           </a:prstGeom>
           <a:ln>
+            <a:solidFill>
+              <a:srgbClr val="FF0000"/>
+            </a:solidFill>
             <a:tailEnd type="triangle"/>
           </a:ln>
         </p:spPr>
@@ -4386,7 +4442,7 @@
         </p:nvGrpSpPr>
         <p:grpSpPr>
           <a:xfrm>
-            <a:off x="1460376" y="2727976"/>
+            <a:off x="1796868" y="3816148"/>
             <a:ext cx="1460376" cy="495670"/>
             <a:chOff x="639193" y="1405492"/>
             <a:chExt cx="1460376" cy="495670"/>
@@ -4413,6 +4469,11 @@
               <a:avLst/>
             </a:prstGeom>
             <a:noFill/>
+            <a:ln w="38100">
+              <a:solidFill>
+                <a:srgbClr val="FF0000"/>
+              </a:solidFill>
+            </a:ln>
           </p:spPr>
           <p:style>
             <a:lnRef idx="2">
@@ -4435,7 +4496,7 @@
             <a:lstStyle/>
             <a:p>
               <a:pPr algn="ctr"/>
-              <a:endParaRPr lang="zh-TW" altLang="en-US"/>
+              <a:endParaRPr lang="zh-TW" altLang="en-US" dirty="0"/>
             </a:p>
           </p:txBody>
         </p:sp>
@@ -4501,13 +4562,16 @@
         </p:nvCxnSpPr>
         <p:spPr>
           <a:xfrm flipH="1">
-            <a:off x="2050741" y="1962843"/>
+            <a:off x="2387233" y="3051015"/>
             <a:ext cx="2780" cy="765133"/>
           </a:xfrm>
           <a:prstGeom prst="straightConnector1">
             <a:avLst/>
           </a:prstGeom>
           <a:ln>
+            <a:solidFill>
+              <a:srgbClr val="FF0000"/>
+            </a:solidFill>
             <a:tailEnd type="triangle"/>
           </a:ln>
         </p:spPr>
@@ -4540,7 +4604,7 @@
         </p:nvGrpSpPr>
         <p:grpSpPr>
           <a:xfrm>
-            <a:off x="2792306" y="2727450"/>
+            <a:off x="3128798" y="3815622"/>
             <a:ext cx="1379656" cy="495670"/>
             <a:chOff x="639193" y="1405492"/>
             <a:chExt cx="1379656" cy="495670"/>
@@ -4567,6 +4631,11 @@
               <a:avLst/>
             </a:prstGeom>
             <a:noFill/>
+            <a:ln w="38100">
+              <a:solidFill>
+                <a:srgbClr val="FF0000"/>
+              </a:solidFill>
+            </a:ln>
           </p:spPr>
           <p:style>
             <a:lnRef idx="2">
@@ -4646,7 +4715,7 @@
         </p:nvGrpSpPr>
         <p:grpSpPr>
           <a:xfrm>
-            <a:off x="4124235" y="2668740"/>
+            <a:off x="4460727" y="3756912"/>
             <a:ext cx="1550811" cy="584775"/>
             <a:chOff x="639193" y="1363659"/>
             <a:chExt cx="1550811" cy="584775"/>
@@ -4673,6 +4742,11 @@
               <a:avLst/>
             </a:prstGeom>
             <a:noFill/>
+            <a:ln w="38100">
+              <a:solidFill>
+                <a:srgbClr val="FF0000"/>
+              </a:solidFill>
+            </a:ln>
           </p:spPr>
           <p:style>
             <a:lnRef idx="2">
@@ -4773,7 +4847,7 @@
         </p:nvGrpSpPr>
         <p:grpSpPr>
           <a:xfrm>
-            <a:off x="2737101" y="3946946"/>
+            <a:off x="3073593" y="5035118"/>
             <a:ext cx="1367161" cy="495670"/>
             <a:chOff x="577740" y="1405492"/>
             <a:chExt cx="1367161" cy="495670"/>
@@ -4800,6 +4874,11 @@
               <a:avLst/>
             </a:prstGeom>
             <a:noFill/>
+            <a:ln w="38100">
+              <a:solidFill>
+                <a:srgbClr val="FF0000"/>
+              </a:solidFill>
+            </a:ln>
           </p:spPr>
           <p:style>
             <a:lnRef idx="2">
@@ -4822,7 +4901,7 @@
             <a:lstStyle/>
             <a:p>
               <a:pPr algn="ctr"/>
-              <a:endParaRPr lang="zh-TW" altLang="en-US"/>
+              <a:endParaRPr lang="zh-TW" altLang="en-US" dirty="0"/>
             </a:p>
           </p:txBody>
         </p:sp>
@@ -4911,13 +4990,16 @@
         </p:nvCxnSpPr>
         <p:spPr>
           <a:xfrm flipH="1">
-            <a:off x="3382671" y="1962843"/>
+            <a:off x="3719163" y="3051015"/>
             <a:ext cx="582690" cy="764607"/>
           </a:xfrm>
           <a:prstGeom prst="straightConnector1">
             <a:avLst/>
           </a:prstGeom>
           <a:ln>
+            <a:solidFill>
+              <a:srgbClr val="FF0000"/>
+            </a:solidFill>
             <a:tailEnd type="triangle"/>
           </a:ln>
         </p:spPr>
@@ -4953,13 +5035,16 @@
         </p:nvCxnSpPr>
         <p:spPr>
           <a:xfrm>
-            <a:off x="3965361" y="1962843"/>
+            <a:off x="4301853" y="3051015"/>
             <a:ext cx="707255" cy="723826"/>
           </a:xfrm>
           <a:prstGeom prst="straightConnector1">
             <a:avLst/>
           </a:prstGeom>
           <a:ln>
+            <a:solidFill>
+              <a:srgbClr val="FF0000"/>
+            </a:solidFill>
             <a:tailEnd type="triangle"/>
           </a:ln>
         </p:spPr>
@@ -4996,13 +5081,16 @@
         </p:nvCxnSpPr>
         <p:spPr>
           <a:xfrm>
-            <a:off x="3382671" y="3223120"/>
+            <a:off x="3719163" y="4311292"/>
             <a:ext cx="6248" cy="723826"/>
           </a:xfrm>
           <a:prstGeom prst="straightConnector1">
             <a:avLst/>
           </a:prstGeom>
           <a:ln>
+            <a:solidFill>
+              <a:srgbClr val="FF0000"/>
+            </a:solidFill>
             <a:tailEnd type="triangle"/>
           </a:ln>
         </p:spPr>
@@ -5085,13 +5173,16 @@
         </p:nvCxnSpPr>
         <p:spPr>
           <a:xfrm>
-            <a:off x="9664823" y="1962843"/>
-            <a:ext cx="0" cy="646255"/>
+            <a:off x="10001315" y="3051015"/>
+            <a:ext cx="0" cy="764607"/>
           </a:xfrm>
           <a:prstGeom prst="straightConnector1">
             <a:avLst/>
           </a:prstGeom>
-          <a:ln>
+          <a:ln w="19050">
+            <a:solidFill>
+              <a:srgbClr val="FF0000"/>
+            </a:solidFill>
             <a:tailEnd type="triangle"/>
           </a:ln>
         </p:spPr>
@@ -5124,7 +5215,7 @@
         </p:nvGrpSpPr>
         <p:grpSpPr>
           <a:xfrm>
-            <a:off x="9145480" y="2676205"/>
+            <a:off x="9481972" y="3764377"/>
             <a:ext cx="1809391" cy="646255"/>
             <a:chOff x="639193" y="1405492"/>
             <a:chExt cx="1590551" cy="495670"/>
@@ -5151,6 +5242,11 @@
               <a:avLst/>
             </a:prstGeom>
             <a:noFill/>
+            <a:ln w="38100">
+              <a:solidFill>
+                <a:srgbClr val="FF0000"/>
+              </a:solidFill>
+            </a:ln>
           </p:spPr>
           <p:style>
             <a:lnRef idx="2">
@@ -5243,6 +5339,63 @@
           </p:txBody>
         </p:sp>
       </p:grpSp>
+      <p:sp>
+        <p:nvSpPr>
+          <p:cNvPr id="8" name="文字方塊 7">
+            <a:extLst>
+              <a:ext uri="{FF2B5EF4-FFF2-40B4-BE49-F238E27FC236}">
+                <a16:creationId xmlns:a16="http://schemas.microsoft.com/office/drawing/2014/main" id="{C479C2A4-94CF-18A1-3DD0-CAB93E698D4F}"/>
+              </a:ext>
+            </a:extLst>
+          </p:cNvPr>
+          <p:cNvSpPr txBox="1"/>
+          <p:nvPr/>
+        </p:nvSpPr>
+        <p:spPr>
+          <a:xfrm>
+            <a:off x="336492" y="304800"/>
+            <a:ext cx="4307885" cy="584775"/>
+          </a:xfrm>
+          <a:prstGeom prst="rect">
+            <a:avLst/>
+          </a:prstGeom>
+          <a:noFill/>
+        </p:spPr>
+        <p:txBody>
+          <a:bodyPr wrap="square" rtlCol="0">
+            <a:spAutoFit/>
+          </a:bodyPr>
+          <a:lstStyle/>
+          <a:p>
+            <a:r>
+              <a:rPr lang="en-US" altLang="zh-TW" sz="3200" dirty="0">
+                <a:latin typeface="Times New Roman" panose="02020603050405020304" pitchFamily="18" charset="0"/>
+                <a:cs typeface="Times New Roman" panose="02020603050405020304" pitchFamily="18" charset="0"/>
+              </a:rPr>
+              <a:t>breakdown(</a:t>
+            </a:r>
+            <a:r>
+              <a:rPr lang="zh-TW" altLang="en-US" sz="3200" dirty="0">
+                <a:latin typeface="標楷體" panose="03000509000000000000" pitchFamily="65" charset="-120"/>
+                <a:ea typeface="標楷體" panose="03000509000000000000" pitchFamily="65" charset="-120"/>
+                <a:cs typeface="Times New Roman" panose="02020603050405020304" pitchFamily="18" charset="0"/>
+              </a:rPr>
+              <a:t>架構圖</a:t>
+            </a:r>
+            <a:r>
+              <a:rPr lang="en-US" altLang="zh-TW" sz="3200" dirty="0">
+                <a:latin typeface="Times New Roman" panose="02020603050405020304" pitchFamily="18" charset="0"/>
+                <a:cs typeface="Times New Roman" panose="02020603050405020304" pitchFamily="18" charset="0"/>
+              </a:rPr>
+              <a:t>)</a:t>
+            </a:r>
+            <a:endParaRPr lang="zh-TW" altLang="en-US" sz="3200" dirty="0">
+              <a:latin typeface="Times New Roman" panose="02020603050405020304" pitchFamily="18" charset="0"/>
+              <a:cs typeface="Times New Roman" panose="02020603050405020304" pitchFamily="18" charset="0"/>
+            </a:endParaRPr>
+          </a:p>
+        </p:txBody>
+      </p:sp>
     </p:spTree>
     <p:extLst>
       <p:ext uri="{BB962C8B-B14F-4D97-AF65-F5344CB8AC3E}">
@@ -5308,6 +5461,45 @@
           </a:ln>
         </p:spPr>
       </p:pic>
+      <p:sp>
+        <p:nvSpPr>
+          <p:cNvPr id="2" name="文字方塊 1">
+            <a:extLst>
+              <a:ext uri="{FF2B5EF4-FFF2-40B4-BE49-F238E27FC236}">
+                <a16:creationId xmlns:a16="http://schemas.microsoft.com/office/drawing/2014/main" id="{3837E6CD-B5DD-15D3-0EE9-78A5EEC14956}"/>
+              </a:ext>
+            </a:extLst>
+          </p:cNvPr>
+          <p:cNvSpPr txBox="1"/>
+          <p:nvPr/>
+        </p:nvSpPr>
+        <p:spPr>
+          <a:xfrm>
+            <a:off x="336492" y="304800"/>
+            <a:ext cx="4307885" cy="584775"/>
+          </a:xfrm>
+          <a:prstGeom prst="rect">
+            <a:avLst/>
+          </a:prstGeom>
+          <a:noFill/>
+        </p:spPr>
+        <p:txBody>
+          <a:bodyPr wrap="square" rtlCol="0">
+            <a:spAutoFit/>
+          </a:bodyPr>
+          <a:lstStyle/>
+          <a:p>
+            <a:r>
+              <a:rPr lang="zh-TW" altLang="en-US" sz="3200" dirty="0">
+                <a:latin typeface="標楷體" panose="03000509000000000000" pitchFamily="65" charset="-120"/>
+                <a:ea typeface="標楷體" panose="03000509000000000000" pitchFamily="65" charset="-120"/>
+                <a:cs typeface="Times New Roman" panose="02020603050405020304" pitchFamily="18" charset="0"/>
+              </a:rPr>
+              <a:t>流程圖</a:t>
+            </a:r>
+          </a:p>
+        </p:txBody>
+      </p:sp>
     </p:spTree>
     <p:extLst>
       <p:ext uri="{BB962C8B-B14F-4D97-AF65-F5344CB8AC3E}">

--- a/HW1/架構圖.pptx
+++ b/HW1/架構圖.pptx
@@ -5,7 +5,7 @@
     <p:sldMasterId id="2147483648" r:id="rId1"/>
   </p:sldMasterIdLst>
   <p:sldIdLst>
-    <p:sldId id="257" r:id="rId2"/>
+    <p:sldId id="260" r:id="rId2"/>
     <p:sldId id="259" r:id="rId3"/>
   </p:sldIdLst>
   <p:sldSz cx="12192000" cy="6858000"/>
@@ -260,7 +260,7 @@
           <a:p>
             <a:fld id="{8CB5F72D-0A1E-4053-9722-99B1F933BAB2}" type="datetimeFigureOut">
               <a:rPr lang="zh-TW" altLang="en-US" smtClean="0"/>
-              <a:t>2025/1/2</a:t>
+              <a:t>2025/1/9</a:t>
             </a:fld>
             <a:endParaRPr lang="zh-TW" altLang="en-US"/>
           </a:p>
@@ -458,7 +458,7 @@
           <a:p>
             <a:fld id="{8CB5F72D-0A1E-4053-9722-99B1F933BAB2}" type="datetimeFigureOut">
               <a:rPr lang="zh-TW" altLang="en-US" smtClean="0"/>
-              <a:t>2025/1/2</a:t>
+              <a:t>2025/1/9</a:t>
             </a:fld>
             <a:endParaRPr lang="zh-TW" altLang="en-US"/>
           </a:p>
@@ -666,7 +666,7 @@
           <a:p>
             <a:fld id="{8CB5F72D-0A1E-4053-9722-99B1F933BAB2}" type="datetimeFigureOut">
               <a:rPr lang="zh-TW" altLang="en-US" smtClean="0"/>
-              <a:t>2025/1/2</a:t>
+              <a:t>2025/1/9</a:t>
             </a:fld>
             <a:endParaRPr lang="zh-TW" altLang="en-US"/>
           </a:p>
@@ -864,7 +864,7 @@
           <a:p>
             <a:fld id="{8CB5F72D-0A1E-4053-9722-99B1F933BAB2}" type="datetimeFigureOut">
               <a:rPr lang="zh-TW" altLang="en-US" smtClean="0"/>
-              <a:t>2025/1/2</a:t>
+              <a:t>2025/1/9</a:t>
             </a:fld>
             <a:endParaRPr lang="zh-TW" altLang="en-US"/>
           </a:p>
@@ -1139,7 +1139,7 @@
           <a:p>
             <a:fld id="{8CB5F72D-0A1E-4053-9722-99B1F933BAB2}" type="datetimeFigureOut">
               <a:rPr lang="zh-TW" altLang="en-US" smtClean="0"/>
-              <a:t>2025/1/2</a:t>
+              <a:t>2025/1/9</a:t>
             </a:fld>
             <a:endParaRPr lang="zh-TW" altLang="en-US"/>
           </a:p>
@@ -1404,7 +1404,7 @@
           <a:p>
             <a:fld id="{8CB5F72D-0A1E-4053-9722-99B1F933BAB2}" type="datetimeFigureOut">
               <a:rPr lang="zh-TW" altLang="en-US" smtClean="0"/>
-              <a:t>2025/1/2</a:t>
+              <a:t>2025/1/9</a:t>
             </a:fld>
             <a:endParaRPr lang="zh-TW" altLang="en-US"/>
           </a:p>
@@ -1816,7 +1816,7 @@
           <a:p>
             <a:fld id="{8CB5F72D-0A1E-4053-9722-99B1F933BAB2}" type="datetimeFigureOut">
               <a:rPr lang="zh-TW" altLang="en-US" smtClean="0"/>
-              <a:t>2025/1/2</a:t>
+              <a:t>2025/1/9</a:t>
             </a:fld>
             <a:endParaRPr lang="zh-TW" altLang="en-US"/>
           </a:p>
@@ -1957,7 +1957,7 @@
           <a:p>
             <a:fld id="{8CB5F72D-0A1E-4053-9722-99B1F933BAB2}" type="datetimeFigureOut">
               <a:rPr lang="zh-TW" altLang="en-US" smtClean="0"/>
-              <a:t>2025/1/2</a:t>
+              <a:t>2025/1/9</a:t>
             </a:fld>
             <a:endParaRPr lang="zh-TW" altLang="en-US"/>
           </a:p>
@@ -2070,7 +2070,7 @@
           <a:p>
             <a:fld id="{8CB5F72D-0A1E-4053-9722-99B1F933BAB2}" type="datetimeFigureOut">
               <a:rPr lang="zh-TW" altLang="en-US" smtClean="0"/>
-              <a:t>2025/1/2</a:t>
+              <a:t>2025/1/9</a:t>
             </a:fld>
             <a:endParaRPr lang="zh-TW" altLang="en-US"/>
           </a:p>
@@ -2381,7 +2381,7 @@
           <a:p>
             <a:fld id="{8CB5F72D-0A1E-4053-9722-99B1F933BAB2}" type="datetimeFigureOut">
               <a:rPr lang="zh-TW" altLang="en-US" smtClean="0"/>
-              <a:t>2025/1/2</a:t>
+              <a:t>2025/1/9</a:t>
             </a:fld>
             <a:endParaRPr lang="zh-TW" altLang="en-US"/>
           </a:p>
@@ -2669,7 +2669,7 @@
           <a:p>
             <a:fld id="{8CB5F72D-0A1E-4053-9722-99B1F933BAB2}" type="datetimeFigureOut">
               <a:rPr lang="zh-TW" altLang="en-US" smtClean="0"/>
-              <a:t>2025/1/2</a:t>
+              <a:t>2025/1/9</a:t>
             </a:fld>
             <a:endParaRPr lang="zh-TW" altLang="en-US"/>
           </a:p>
@@ -2910,7 +2910,7 @@
           <a:p>
             <a:fld id="{8CB5F72D-0A1E-4053-9722-99B1F933BAB2}" type="datetimeFigureOut">
               <a:rPr lang="zh-TW" altLang="en-US" smtClean="0"/>
-              <a:t>2025/1/2</a:t>
+              <a:t>2025/1/9</a:t>
             </a:fld>
             <a:endParaRPr lang="zh-TW" altLang="en-US"/>
           </a:p>
@@ -3329,10 +3329,10 @@
       </p:grpSpPr>
       <p:sp>
         <p:nvSpPr>
-          <p:cNvPr id="4" name="矩形: 圓角 3">
-            <a:extLst>
-              <a:ext uri="{FF2B5EF4-FFF2-40B4-BE49-F238E27FC236}">
-                <a16:creationId xmlns:a16="http://schemas.microsoft.com/office/drawing/2014/main" id="{66F6E991-DDCD-421A-AF93-D6ACC78F3F4A}"/>
+          <p:cNvPr id="4" name="矩形 3">
+            <a:extLst>
+              <a:ext uri="{FF2B5EF4-FFF2-40B4-BE49-F238E27FC236}">
+                <a16:creationId xmlns:a16="http://schemas.microsoft.com/office/drawing/2014/main" id="{98645265-0ACE-08B4-2FF4-26E45221A9F2}"/>
               </a:ext>
             </a:extLst>
           </p:cNvPr>
@@ -3341,32 +3341,155 @@
         </p:nvSpPr>
         <p:spPr>
           <a:xfrm>
-            <a:off x="4944003" y="1372257"/>
-            <a:ext cx="2503503" cy="603682"/>
-          </a:xfrm>
-          <a:prstGeom prst="roundRect">
+            <a:off x="5243048" y="157317"/>
+            <a:ext cx="1705903" cy="860947"/>
+          </a:xfrm>
+          <a:prstGeom prst="rect">
+            <a:avLst/>
+          </a:prstGeom>
+        </p:spPr>
+        <p:style>
+          <a:lnRef idx="2">
+            <a:schemeClr val="accent3">
+              <a:shade val="15000"/>
+            </a:schemeClr>
+          </a:lnRef>
+          <a:fillRef idx="1">
+            <a:schemeClr val="accent3"/>
+          </a:fillRef>
+          <a:effectRef idx="0">
+            <a:schemeClr val="accent3"/>
+          </a:effectRef>
+          <a:fontRef idx="minor">
+            <a:schemeClr val="lt1"/>
+          </a:fontRef>
+        </p:style>
+        <p:txBody>
+          <a:bodyPr rtlCol="0" anchor="ctr"/>
+          <a:lstStyle/>
+          <a:p>
+            <a:pPr algn="ctr"/>
+            <a:endParaRPr lang="zh-TW" altLang="en-US" dirty="0"/>
+          </a:p>
+        </p:txBody>
+      </p:sp>
+      <p:sp>
+        <p:nvSpPr>
+          <p:cNvPr id="5" name="文字方塊 4">
+            <a:extLst>
+              <a:ext uri="{FF2B5EF4-FFF2-40B4-BE49-F238E27FC236}">
+                <a16:creationId xmlns:a16="http://schemas.microsoft.com/office/drawing/2014/main" id="{60468B62-EC6C-F366-3DC6-D3AF2A77CBD6}"/>
+              </a:ext>
+            </a:extLst>
+          </p:cNvPr>
+          <p:cNvSpPr txBox="1"/>
+          <p:nvPr/>
+        </p:nvSpPr>
+        <p:spPr>
+          <a:xfrm>
+            <a:off x="5501663" y="403124"/>
+            <a:ext cx="1188667" cy="369332"/>
+          </a:xfrm>
+          <a:prstGeom prst="rect">
             <a:avLst/>
           </a:prstGeom>
           <a:noFill/>
-          <a:ln w="38100">
-            <a:solidFill>
-              <a:srgbClr val="FF0000"/>
-            </a:solidFill>
+        </p:spPr>
+        <p:txBody>
+          <a:bodyPr wrap="square" rtlCol="0">
+            <a:spAutoFit/>
+          </a:bodyPr>
+          <a:lstStyle/>
+          <a:p>
+            <a:r>
+              <a:rPr lang="zh-TW" altLang="en-US" dirty="0">
+                <a:latin typeface="標楷體" panose="03000509000000000000" pitchFamily="65" charset="-120"/>
+                <a:ea typeface="標楷體" panose="03000509000000000000" pitchFamily="65" charset="-120"/>
+              </a:rPr>
+              <a:t>馬路分割</a:t>
+            </a:r>
+          </a:p>
+        </p:txBody>
+      </p:sp>
+      <p:cxnSp>
+        <p:nvCxnSpPr>
+          <p:cNvPr id="7" name="接點: 肘形 6">
+            <a:extLst>
+              <a:ext uri="{FF2B5EF4-FFF2-40B4-BE49-F238E27FC236}">
+                <a16:creationId xmlns:a16="http://schemas.microsoft.com/office/drawing/2014/main" id="{52B9A0CA-C1B9-A040-FC85-86C1DC6C0775}"/>
+              </a:ext>
+            </a:extLst>
+          </p:cNvPr>
+          <p:cNvCxnSpPr>
+            <a:cxnSpLocks/>
+            <a:stCxn id="4" idx="2"/>
+            <a:endCxn id="8" idx="0"/>
+          </p:cNvCxnSpPr>
+          <p:nvPr/>
+        </p:nvCxnSpPr>
+        <p:spPr>
+          <a:xfrm rot="5400000">
+            <a:off x="3761155" y="-942681"/>
+            <a:ext cx="373900" cy="4295791"/>
+          </a:xfrm>
+          <a:prstGeom prst="bentConnector3">
+            <a:avLst>
+              <a:gd name="adj1" fmla="val 50000"/>
+            </a:avLst>
+          </a:prstGeom>
+          <a:ln w="19050">
+            <a:tailEnd type="triangle"/>
           </a:ln>
         </p:spPr>
         <p:style>
-          <a:lnRef idx="2">
-            <a:schemeClr val="accent1">
-              <a:shade val="50000"/>
-            </a:schemeClr>
+          <a:lnRef idx="1">
+            <a:schemeClr val="accent1"/>
           </a:lnRef>
-          <a:fillRef idx="1">
+          <a:fillRef idx="0">
             <a:schemeClr val="accent1"/>
           </a:fillRef>
           <a:effectRef idx="0">
             <a:schemeClr val="accent1"/>
           </a:effectRef>
           <a:fontRef idx="minor">
+            <a:schemeClr val="tx1"/>
+          </a:fontRef>
+        </p:style>
+      </p:cxnSp>
+      <p:sp>
+        <p:nvSpPr>
+          <p:cNvPr id="8" name="矩形 7">
+            <a:extLst>
+              <a:ext uri="{FF2B5EF4-FFF2-40B4-BE49-F238E27FC236}">
+                <a16:creationId xmlns:a16="http://schemas.microsoft.com/office/drawing/2014/main" id="{DFAD36A9-A7BC-7BC4-3928-8CEB9AC9402C}"/>
+              </a:ext>
+            </a:extLst>
+          </p:cNvPr>
+          <p:cNvSpPr/>
+          <p:nvPr/>
+        </p:nvSpPr>
+        <p:spPr>
+          <a:xfrm>
+            <a:off x="947257" y="1392164"/>
+            <a:ext cx="1705903" cy="860947"/>
+          </a:xfrm>
+          <a:prstGeom prst="rect">
+            <a:avLst/>
+          </a:prstGeom>
+        </p:spPr>
+        <p:style>
+          <a:lnRef idx="2">
+            <a:schemeClr val="accent3">
+              <a:shade val="15000"/>
+            </a:schemeClr>
+          </a:lnRef>
+          <a:fillRef idx="1">
+            <a:schemeClr val="accent3"/>
+          </a:fillRef>
+          <a:effectRef idx="0">
+            <a:schemeClr val="accent3"/>
+          </a:effectRef>
+          <a:fontRef idx="minor">
             <a:schemeClr val="lt1"/>
           </a:fontRef>
         </p:style>
@@ -3375,16 +3498,16 @@
           <a:lstStyle/>
           <a:p>
             <a:pPr algn="ctr"/>
-            <a:endParaRPr lang="zh-TW" altLang="en-US"/>
-          </a:p>
-        </p:txBody>
-      </p:sp>
-      <p:sp>
-        <p:nvSpPr>
-          <p:cNvPr id="5" name="文字方塊 4">
-            <a:extLst>
-              <a:ext uri="{FF2B5EF4-FFF2-40B4-BE49-F238E27FC236}">
-                <a16:creationId xmlns:a16="http://schemas.microsoft.com/office/drawing/2014/main" id="{35E075EB-5C46-41CD-AF4F-856DB2ED74A7}"/>
+            <a:endParaRPr lang="zh-TW" altLang="en-US" dirty="0"/>
+          </a:p>
+        </p:txBody>
+      </p:sp>
+      <p:sp>
+        <p:nvSpPr>
+          <p:cNvPr id="11" name="文字方塊 10">
+            <a:extLst>
+              <a:ext uri="{FF2B5EF4-FFF2-40B4-BE49-F238E27FC236}">
+                <a16:creationId xmlns:a16="http://schemas.microsoft.com/office/drawing/2014/main" id="{E5C10787-B470-2817-1C7C-6C643F017770}"/>
               </a:ext>
             </a:extLst>
           </p:cNvPr>
@@ -3393,8 +3516,8 @@
         </p:nvSpPr>
         <p:spPr>
           <a:xfrm>
-            <a:off x="5624623" y="1489432"/>
-            <a:ext cx="1142261" cy="369332"/>
+            <a:off x="1002536" y="1637969"/>
+            <a:ext cx="1595343" cy="369332"/>
           </a:xfrm>
           <a:prstGeom prst="rect">
             <a:avLst/>
@@ -3412,656 +3535,720 @@
                 <a:latin typeface="標楷體" panose="03000509000000000000" pitchFamily="65" charset="-120"/>
                 <a:ea typeface="標楷體" panose="03000509000000000000" pitchFamily="65" charset="-120"/>
               </a:rPr>
-              <a:t>馬路分割</a:t>
-            </a:r>
-          </a:p>
-        </p:txBody>
-      </p:sp>
-      <p:grpSp>
-        <p:nvGrpSpPr>
-          <p:cNvPr id="16" name="群組 15">
-            <a:extLst>
-              <a:ext uri="{FF2B5EF4-FFF2-40B4-BE49-F238E27FC236}">
-                <a16:creationId xmlns:a16="http://schemas.microsoft.com/office/drawing/2014/main" id="{D7C9CF17-7BCE-45AB-863F-A412882D2BE3}"/>
-              </a:ext>
-            </a:extLst>
-          </p:cNvPr>
-          <p:cNvGrpSpPr/>
-          <p:nvPr/>
-        </p:nvGrpSpPr>
-        <p:grpSpPr>
-          <a:xfrm>
-            <a:off x="1706432" y="2555345"/>
-            <a:ext cx="1367161" cy="495670"/>
-            <a:chOff x="545977" y="1405492"/>
-            <a:chExt cx="1367161" cy="495670"/>
-          </a:xfrm>
-        </p:grpSpPr>
-        <p:sp>
-          <p:nvSpPr>
-            <p:cNvPr id="6" name="矩形: 圓角 5">
-              <a:extLst>
-                <a:ext uri="{FF2B5EF4-FFF2-40B4-BE49-F238E27FC236}">
-                  <a16:creationId xmlns:a16="http://schemas.microsoft.com/office/drawing/2014/main" id="{9D7F1725-AF1F-46E2-BCE1-CB4C28B1D593}"/>
-                </a:ext>
-              </a:extLst>
-            </p:cNvPr>
-            <p:cNvSpPr/>
-            <p:nvPr/>
-          </p:nvSpPr>
-          <p:spPr>
-            <a:xfrm>
-              <a:off x="639193" y="1405492"/>
-              <a:ext cx="1180730" cy="495670"/>
-            </a:xfrm>
-            <a:prstGeom prst="roundRect">
-              <a:avLst/>
-            </a:prstGeom>
-            <a:noFill/>
-            <a:ln w="38100">
-              <a:solidFill>
-                <a:srgbClr val="FF0000"/>
-              </a:solidFill>
-            </a:ln>
-          </p:spPr>
-          <p:style>
-            <a:lnRef idx="2">
-              <a:schemeClr val="accent1">
-                <a:shade val="50000"/>
-              </a:schemeClr>
-            </a:lnRef>
-            <a:fillRef idx="1">
-              <a:schemeClr val="accent1"/>
-            </a:fillRef>
-            <a:effectRef idx="0">
-              <a:schemeClr val="accent1"/>
-            </a:effectRef>
-            <a:fontRef idx="minor">
-              <a:schemeClr val="lt1"/>
-            </a:fontRef>
-          </p:style>
-          <p:txBody>
-            <a:bodyPr rtlCol="0" anchor="ctr"/>
-            <a:lstStyle/>
-            <a:p>
-              <a:pPr algn="ctr"/>
-              <a:endParaRPr lang="zh-TW" altLang="en-US"/>
-            </a:p>
-          </p:txBody>
-        </p:sp>
-        <p:sp>
-          <p:nvSpPr>
-            <p:cNvPr id="9" name="文字方塊 8">
-              <a:extLst>
-                <a:ext uri="{FF2B5EF4-FFF2-40B4-BE49-F238E27FC236}">
-                  <a16:creationId xmlns:a16="http://schemas.microsoft.com/office/drawing/2014/main" id="{D613CDC0-22C9-40C3-8E24-AF461AE2F9C8}"/>
-                </a:ext>
-              </a:extLst>
-            </p:cNvPr>
-            <p:cNvSpPr txBox="1"/>
-            <p:nvPr/>
-          </p:nvSpPr>
-          <p:spPr>
-            <a:xfrm>
-              <a:off x="545977" y="1467173"/>
-              <a:ext cx="1367161" cy="338554"/>
-            </a:xfrm>
-            <a:prstGeom prst="rect">
-              <a:avLst/>
-            </a:prstGeom>
-            <a:noFill/>
-          </p:spPr>
-          <p:txBody>
-            <a:bodyPr wrap="square" rtlCol="0">
-              <a:spAutoFit/>
-            </a:bodyPr>
-            <a:lstStyle/>
-            <a:p>
-              <a:r>
-                <a:rPr lang="zh-TW" altLang="en-US" sz="1600" dirty="0">
-                  <a:latin typeface="標楷體" panose="03000509000000000000" pitchFamily="65" charset="-120"/>
-                  <a:ea typeface="標楷體" panose="03000509000000000000" pitchFamily="65" charset="-120"/>
-                </a:rPr>
-                <a:t>紋路分類</a:t>
-              </a:r>
-              <a:r>
-                <a:rPr lang="en-US" altLang="zh-TW" sz="1600" dirty="0">
-                  <a:latin typeface="標楷體" panose="03000509000000000000" pitchFamily="65" charset="-120"/>
-                  <a:ea typeface="標楷體" panose="03000509000000000000" pitchFamily="65" charset="-120"/>
-                </a:rPr>
-                <a:t>LBP</a:t>
-              </a:r>
-              <a:endParaRPr lang="zh-TW" altLang="en-US" sz="1600" dirty="0">
-                <a:latin typeface="標楷體" panose="03000509000000000000" pitchFamily="65" charset="-120"/>
-                <a:ea typeface="標楷體" panose="03000509000000000000" pitchFamily="65" charset="-120"/>
-              </a:endParaRPr>
-            </a:p>
-          </p:txBody>
-        </p:sp>
-      </p:grpSp>
-      <p:grpSp>
-        <p:nvGrpSpPr>
-          <p:cNvPr id="17" name="群組 16">
-            <a:extLst>
-              <a:ext uri="{FF2B5EF4-FFF2-40B4-BE49-F238E27FC236}">
-                <a16:creationId xmlns:a16="http://schemas.microsoft.com/office/drawing/2014/main" id="{2BDAF7B4-A762-426E-87EF-C54C36735DDD}"/>
-              </a:ext>
-            </a:extLst>
-          </p:cNvPr>
-          <p:cNvGrpSpPr/>
-          <p:nvPr/>
-        </p:nvGrpSpPr>
-        <p:grpSpPr>
-          <a:xfrm>
-            <a:off x="3711488" y="2555345"/>
-            <a:ext cx="1180730" cy="495670"/>
-            <a:chOff x="639193" y="1405492"/>
-            <a:chExt cx="1180730" cy="495670"/>
-          </a:xfrm>
-        </p:grpSpPr>
-        <p:sp>
-          <p:nvSpPr>
-            <p:cNvPr id="18" name="矩形: 圓角 17">
-              <a:extLst>
-                <a:ext uri="{FF2B5EF4-FFF2-40B4-BE49-F238E27FC236}">
-                  <a16:creationId xmlns:a16="http://schemas.microsoft.com/office/drawing/2014/main" id="{3DC64949-C6FB-4CF6-B873-D536C3F328D9}"/>
-                </a:ext>
-              </a:extLst>
-            </p:cNvPr>
-            <p:cNvSpPr/>
-            <p:nvPr/>
-          </p:nvSpPr>
-          <p:spPr>
-            <a:xfrm>
-              <a:off x="639193" y="1405492"/>
-              <a:ext cx="1180730" cy="495670"/>
-            </a:xfrm>
-            <a:prstGeom prst="roundRect">
-              <a:avLst/>
-            </a:prstGeom>
-            <a:noFill/>
-            <a:ln w="38100">
-              <a:solidFill>
-                <a:srgbClr val="FF0000"/>
-              </a:solidFill>
-            </a:ln>
-          </p:spPr>
-          <p:style>
-            <a:lnRef idx="2">
-              <a:schemeClr val="accent1">
-                <a:shade val="50000"/>
-              </a:schemeClr>
-            </a:lnRef>
-            <a:fillRef idx="1">
-              <a:schemeClr val="accent1"/>
-            </a:fillRef>
-            <a:effectRef idx="0">
-              <a:schemeClr val="accent1"/>
-            </a:effectRef>
-            <a:fontRef idx="minor">
-              <a:schemeClr val="lt1"/>
-            </a:fontRef>
-          </p:style>
-          <p:txBody>
-            <a:bodyPr rtlCol="0" anchor="ctr"/>
-            <a:lstStyle/>
-            <a:p>
-              <a:pPr algn="ctr"/>
-              <a:endParaRPr lang="zh-TW" altLang="en-US"/>
-            </a:p>
-          </p:txBody>
-        </p:sp>
-        <p:sp>
-          <p:nvSpPr>
-            <p:cNvPr id="19" name="文字方塊 18">
-              <a:extLst>
-                <a:ext uri="{FF2B5EF4-FFF2-40B4-BE49-F238E27FC236}">
-                  <a16:creationId xmlns:a16="http://schemas.microsoft.com/office/drawing/2014/main" id="{F03DE80E-BA8B-4EE6-915D-F98C6E1F71FF}"/>
-                </a:ext>
-              </a:extLst>
-            </p:cNvPr>
-            <p:cNvSpPr txBox="1"/>
-            <p:nvPr/>
-          </p:nvSpPr>
-          <p:spPr>
-            <a:xfrm>
-              <a:off x="920875" y="1467173"/>
-              <a:ext cx="712616" cy="338554"/>
-            </a:xfrm>
-            <a:prstGeom prst="rect">
-              <a:avLst/>
-            </a:prstGeom>
-            <a:noFill/>
-          </p:spPr>
-          <p:txBody>
-            <a:bodyPr wrap="square" rtlCol="0">
-              <a:spAutoFit/>
-            </a:bodyPr>
-            <a:lstStyle/>
-            <a:p>
-              <a:r>
-                <a:rPr lang="en-US" altLang="zh-TW" sz="1600" dirty="0">
-                  <a:latin typeface="Times New Roman" panose="02020603050405020304" pitchFamily="18" charset="0"/>
-                  <a:ea typeface="標楷體" panose="03000509000000000000" pitchFamily="65" charset="-120"/>
-                  <a:cs typeface="Times New Roman" panose="02020603050405020304" pitchFamily="18" charset="0"/>
-                </a:rPr>
-                <a:t>search</a:t>
-              </a:r>
-              <a:endParaRPr lang="zh-TW" altLang="en-US" sz="1600" dirty="0">
+              <a:t>紋路分類</a:t>
+            </a:r>
+            <a:r>
+              <a:rPr lang="en-US" altLang="zh-TW" dirty="0">
                 <a:latin typeface="Times New Roman" panose="02020603050405020304" pitchFamily="18" charset="0"/>
                 <a:ea typeface="標楷體" panose="03000509000000000000" pitchFamily="65" charset="-120"/>
                 <a:cs typeface="Times New Roman" panose="02020603050405020304" pitchFamily="18" charset="0"/>
-              </a:endParaRPr>
-            </a:p>
-          </p:txBody>
-        </p:sp>
-      </p:grpSp>
-      <p:grpSp>
-        <p:nvGrpSpPr>
-          <p:cNvPr id="20" name="群組 19">
-            <a:extLst>
-              <a:ext uri="{FF2B5EF4-FFF2-40B4-BE49-F238E27FC236}">
-                <a16:creationId xmlns:a16="http://schemas.microsoft.com/office/drawing/2014/main" id="{8FCD0DCD-8CD8-4EAD-A48C-51DE33E9FEFA}"/>
-              </a:ext>
-            </a:extLst>
-          </p:cNvPr>
-          <p:cNvGrpSpPr/>
+              </a:rPr>
+              <a:t>LBP</a:t>
+            </a:r>
+            <a:endParaRPr lang="zh-TW" altLang="en-US" dirty="0">
+              <a:latin typeface="Times New Roman" panose="02020603050405020304" pitchFamily="18" charset="0"/>
+              <a:ea typeface="標楷體" panose="03000509000000000000" pitchFamily="65" charset="-120"/>
+              <a:cs typeface="Times New Roman" panose="02020603050405020304" pitchFamily="18" charset="0"/>
+            </a:endParaRPr>
+          </a:p>
+        </p:txBody>
+      </p:sp>
+      <p:sp>
+        <p:nvSpPr>
+          <p:cNvPr id="13" name="矩形 12">
+            <a:extLst>
+              <a:ext uri="{FF2B5EF4-FFF2-40B4-BE49-F238E27FC236}">
+                <a16:creationId xmlns:a16="http://schemas.microsoft.com/office/drawing/2014/main" id="{B2D61B77-DEF9-768F-5EEE-6FC538642A47}"/>
+              </a:ext>
+            </a:extLst>
+          </p:cNvPr>
+          <p:cNvSpPr/>
           <p:nvPr/>
-        </p:nvGrpSpPr>
-        <p:grpSpPr>
+        </p:nvSpPr>
+        <p:spPr>
           <a:xfrm>
-            <a:off x="5356189" y="2535102"/>
-            <a:ext cx="2074416" cy="840307"/>
-            <a:chOff x="633245" y="1361733"/>
-            <a:chExt cx="1422368" cy="830997"/>
-          </a:xfrm>
-        </p:grpSpPr>
-        <p:sp>
-          <p:nvSpPr>
-            <p:cNvPr id="21" name="矩形: 圓角 20">
-              <a:extLst>
-                <a:ext uri="{FF2B5EF4-FFF2-40B4-BE49-F238E27FC236}">
-                  <a16:creationId xmlns:a16="http://schemas.microsoft.com/office/drawing/2014/main" id="{8120F293-9699-4794-B41D-05373574C0BD}"/>
-                </a:ext>
-              </a:extLst>
-            </p:cNvPr>
-            <p:cNvSpPr/>
-            <p:nvPr/>
-          </p:nvSpPr>
-          <p:spPr>
-            <a:xfrm>
-              <a:off x="639193" y="1405492"/>
-              <a:ext cx="1180730" cy="495670"/>
-            </a:xfrm>
-            <a:prstGeom prst="roundRect">
-              <a:avLst/>
-            </a:prstGeom>
+            <a:off x="3738719" y="1392167"/>
+            <a:ext cx="1705903" cy="860947"/>
+          </a:xfrm>
+          <a:prstGeom prst="rect">
+            <a:avLst/>
+          </a:prstGeom>
+        </p:spPr>
+        <p:style>
+          <a:lnRef idx="2">
+            <a:schemeClr val="accent3">
+              <a:shade val="15000"/>
+            </a:schemeClr>
+          </a:lnRef>
+          <a:fillRef idx="1">
+            <a:schemeClr val="accent3"/>
+          </a:fillRef>
+          <a:effectRef idx="0">
+            <a:schemeClr val="accent3"/>
+          </a:effectRef>
+          <a:fontRef idx="minor">
+            <a:schemeClr val="lt1"/>
+          </a:fontRef>
+        </p:style>
+        <p:txBody>
+          <a:bodyPr rtlCol="0" anchor="ctr"/>
+          <a:lstStyle/>
+          <a:p>
+            <a:pPr algn="ctr"/>
+            <a:endParaRPr lang="zh-TW" altLang="en-US" dirty="0"/>
+          </a:p>
+        </p:txBody>
+      </p:sp>
+      <p:sp>
+        <p:nvSpPr>
+          <p:cNvPr id="14" name="矩形 13">
+            <a:extLst>
+              <a:ext uri="{FF2B5EF4-FFF2-40B4-BE49-F238E27FC236}">
+                <a16:creationId xmlns:a16="http://schemas.microsoft.com/office/drawing/2014/main" id="{06692079-7F41-84EC-2C4F-311D80D1D1F9}"/>
+              </a:ext>
+            </a:extLst>
+          </p:cNvPr>
+          <p:cNvSpPr/>
+          <p:nvPr/>
+        </p:nvSpPr>
+        <p:spPr>
+          <a:xfrm>
+            <a:off x="5987845" y="1410585"/>
+            <a:ext cx="1705903" cy="860947"/>
+          </a:xfrm>
+          <a:prstGeom prst="rect">
+            <a:avLst/>
+          </a:prstGeom>
+        </p:spPr>
+        <p:style>
+          <a:lnRef idx="2">
+            <a:schemeClr val="accent3">
+              <a:shade val="15000"/>
+            </a:schemeClr>
+          </a:lnRef>
+          <a:fillRef idx="1">
+            <a:schemeClr val="accent3"/>
+          </a:fillRef>
+          <a:effectRef idx="0">
+            <a:schemeClr val="accent3"/>
+          </a:effectRef>
+          <a:fontRef idx="minor">
+            <a:schemeClr val="lt1"/>
+          </a:fontRef>
+        </p:style>
+        <p:txBody>
+          <a:bodyPr rtlCol="0" anchor="ctr"/>
+          <a:lstStyle/>
+          <a:p>
+            <a:pPr algn="ctr"/>
+            <a:endParaRPr lang="zh-TW" altLang="en-US" dirty="0"/>
+          </a:p>
+        </p:txBody>
+      </p:sp>
+      <p:sp>
+        <p:nvSpPr>
+          <p:cNvPr id="15" name="矩形 14">
+            <a:extLst>
+              <a:ext uri="{FF2B5EF4-FFF2-40B4-BE49-F238E27FC236}">
+                <a16:creationId xmlns:a16="http://schemas.microsoft.com/office/drawing/2014/main" id="{5D6D2240-8064-4E41-975D-7AA5FFB40039}"/>
+              </a:ext>
+            </a:extLst>
+          </p:cNvPr>
+          <p:cNvSpPr/>
+          <p:nvPr/>
+        </p:nvSpPr>
+        <p:spPr>
+          <a:xfrm>
+            <a:off x="10486097" y="1410305"/>
+            <a:ext cx="1705903" cy="860947"/>
+          </a:xfrm>
+          <a:prstGeom prst="rect">
+            <a:avLst/>
+          </a:prstGeom>
+        </p:spPr>
+        <p:style>
+          <a:lnRef idx="2">
+            <a:schemeClr val="accent3">
+              <a:shade val="15000"/>
+            </a:schemeClr>
+          </a:lnRef>
+          <a:fillRef idx="1">
+            <a:schemeClr val="accent3"/>
+          </a:fillRef>
+          <a:effectRef idx="0">
+            <a:schemeClr val="accent3"/>
+          </a:effectRef>
+          <a:fontRef idx="minor">
+            <a:schemeClr val="lt1"/>
+          </a:fontRef>
+        </p:style>
+        <p:txBody>
+          <a:bodyPr rtlCol="0" anchor="ctr"/>
+          <a:lstStyle/>
+          <a:p>
+            <a:pPr algn="ctr"/>
+            <a:endParaRPr lang="zh-TW" altLang="en-US" dirty="0"/>
+          </a:p>
+        </p:txBody>
+      </p:sp>
+      <p:sp>
+        <p:nvSpPr>
+          <p:cNvPr id="16" name="矩形 15">
+            <a:extLst>
+              <a:ext uri="{FF2B5EF4-FFF2-40B4-BE49-F238E27FC236}">
+                <a16:creationId xmlns:a16="http://schemas.microsoft.com/office/drawing/2014/main" id="{BEF06613-F0BA-E0D7-D860-CC9FB2927833}"/>
+              </a:ext>
+            </a:extLst>
+          </p:cNvPr>
+          <p:cNvSpPr/>
+          <p:nvPr/>
+        </p:nvSpPr>
+        <p:spPr>
+          <a:xfrm>
+            <a:off x="8236971" y="1410305"/>
+            <a:ext cx="1705903" cy="860947"/>
+          </a:xfrm>
+          <a:prstGeom prst="rect">
+            <a:avLst/>
+          </a:prstGeom>
+        </p:spPr>
+        <p:style>
+          <a:lnRef idx="2">
+            <a:schemeClr val="accent3">
+              <a:shade val="15000"/>
+            </a:schemeClr>
+          </a:lnRef>
+          <a:fillRef idx="1">
+            <a:schemeClr val="accent3"/>
+          </a:fillRef>
+          <a:effectRef idx="0">
+            <a:schemeClr val="accent3"/>
+          </a:effectRef>
+          <a:fontRef idx="minor">
+            <a:schemeClr val="lt1"/>
+          </a:fontRef>
+        </p:style>
+        <p:txBody>
+          <a:bodyPr rtlCol="0" anchor="ctr"/>
+          <a:lstStyle/>
+          <a:p>
+            <a:pPr algn="ctr"/>
+            <a:endParaRPr lang="zh-TW" altLang="en-US" dirty="0"/>
+          </a:p>
+        </p:txBody>
+      </p:sp>
+      <p:sp>
+        <p:nvSpPr>
+          <p:cNvPr id="17" name="文字方塊 16">
+            <a:extLst>
+              <a:ext uri="{FF2B5EF4-FFF2-40B4-BE49-F238E27FC236}">
+                <a16:creationId xmlns:a16="http://schemas.microsoft.com/office/drawing/2014/main" id="{8FFFF2FB-6DC7-7586-CEDF-D0AF0757D0AB}"/>
+              </a:ext>
+            </a:extLst>
+          </p:cNvPr>
+          <p:cNvSpPr txBox="1"/>
+          <p:nvPr/>
+        </p:nvSpPr>
+        <p:spPr>
+          <a:xfrm>
+            <a:off x="4203932" y="1637972"/>
+            <a:ext cx="775475" cy="369332"/>
+          </a:xfrm>
+          <a:prstGeom prst="rect">
+            <a:avLst/>
+          </a:prstGeom>
+          <a:noFill/>
+        </p:spPr>
+        <p:txBody>
+          <a:bodyPr wrap="square" rtlCol="0">
+            <a:spAutoFit/>
+          </a:bodyPr>
+          <a:lstStyle/>
+          <a:p>
+            <a:r>
+              <a:rPr lang="en-US" altLang="zh-TW" dirty="0">
+                <a:latin typeface="Times New Roman" panose="02020603050405020304" pitchFamily="18" charset="0"/>
+                <a:ea typeface="標楷體" panose="03000509000000000000" pitchFamily="65" charset="-120"/>
+                <a:cs typeface="Times New Roman" panose="02020603050405020304" pitchFamily="18" charset="0"/>
+              </a:rPr>
+              <a:t>search</a:t>
+            </a:r>
+            <a:endParaRPr lang="zh-TW" altLang="en-US" dirty="0">
+              <a:latin typeface="Times New Roman" panose="02020603050405020304" pitchFamily="18" charset="0"/>
+              <a:ea typeface="標楷體" panose="03000509000000000000" pitchFamily="65" charset="-120"/>
+              <a:cs typeface="Times New Roman" panose="02020603050405020304" pitchFamily="18" charset="0"/>
+            </a:endParaRPr>
+          </a:p>
+        </p:txBody>
+      </p:sp>
+      <p:sp>
+        <p:nvSpPr>
+          <p:cNvPr id="18" name="文字方塊 17">
+            <a:extLst>
+              <a:ext uri="{FF2B5EF4-FFF2-40B4-BE49-F238E27FC236}">
+                <a16:creationId xmlns:a16="http://schemas.microsoft.com/office/drawing/2014/main" id="{D8BE410F-6629-34C5-A9C5-B7790DB1505B}"/>
+              </a:ext>
+            </a:extLst>
+          </p:cNvPr>
+          <p:cNvSpPr txBox="1"/>
+          <p:nvPr/>
+        </p:nvSpPr>
+        <p:spPr>
+          <a:xfrm>
+            <a:off x="6095996" y="1410304"/>
+            <a:ext cx="1744230" cy="923330"/>
+          </a:xfrm>
+          <a:prstGeom prst="rect">
+            <a:avLst/>
+          </a:prstGeom>
+          <a:noFill/>
+          <a:ln w="38100">
             <a:noFill/>
-            <a:ln w="38100">
-              <a:solidFill>
-                <a:srgbClr val="FF0000"/>
-              </a:solidFill>
-            </a:ln>
-          </p:spPr>
-          <p:style>
-            <a:lnRef idx="2">
-              <a:schemeClr val="accent1">
-                <a:shade val="50000"/>
-              </a:schemeClr>
-            </a:lnRef>
-            <a:fillRef idx="1">
-              <a:schemeClr val="accent1"/>
-            </a:fillRef>
-            <a:effectRef idx="0">
-              <a:schemeClr val="accent1"/>
-            </a:effectRef>
-            <a:fontRef idx="minor">
-              <a:schemeClr val="lt1"/>
-            </a:fontRef>
-          </p:style>
-          <p:txBody>
-            <a:bodyPr rtlCol="0" anchor="ctr"/>
-            <a:lstStyle/>
-            <a:p>
-              <a:pPr algn="ctr"/>
-              <a:endParaRPr lang="zh-TW" altLang="en-US"/>
-            </a:p>
-          </p:txBody>
-        </p:sp>
-        <p:sp>
-          <p:nvSpPr>
-            <p:cNvPr id="22" name="文字方塊 21">
-              <a:extLst>
-                <a:ext uri="{FF2B5EF4-FFF2-40B4-BE49-F238E27FC236}">
-                  <a16:creationId xmlns:a16="http://schemas.microsoft.com/office/drawing/2014/main" id="{C1159770-1A53-4EFC-924B-A3C2D4903531}"/>
-                </a:ext>
-              </a:extLst>
-            </p:cNvPr>
-            <p:cNvSpPr txBox="1"/>
-            <p:nvPr/>
-          </p:nvSpPr>
-          <p:spPr>
-            <a:xfrm>
-              <a:off x="633245" y="1361733"/>
-              <a:ext cx="1422368" cy="830997"/>
-            </a:xfrm>
-            <a:prstGeom prst="rect">
-              <a:avLst/>
-            </a:prstGeom>
-            <a:noFill/>
-            <a:ln w="38100">
-              <a:noFill/>
-            </a:ln>
-          </p:spPr>
-          <p:txBody>
-            <a:bodyPr wrap="square" rtlCol="0">
-              <a:spAutoFit/>
-            </a:bodyPr>
-            <a:lstStyle/>
-            <a:p>
-              <a:r>
-                <a:rPr lang="en-US" altLang="zh-TW" sz="1600" dirty="0">
-                  <a:latin typeface="標楷體" panose="03000509000000000000" pitchFamily="65" charset="-120"/>
-                  <a:ea typeface="標楷體" panose="03000509000000000000" pitchFamily="65" charset="-120"/>
-                </a:rPr>
-                <a:t>LBP</a:t>
-              </a:r>
-              <a:r>
-                <a:rPr lang="zh-TW" altLang="en-US" sz="1600" dirty="0">
-                  <a:latin typeface="標楷體" panose="03000509000000000000" pitchFamily="65" charset="-120"/>
-                  <a:ea typeface="標楷體" panose="03000509000000000000" pitchFamily="65" charset="-120"/>
-                </a:rPr>
-                <a:t>紋路統計範圍</a:t>
-              </a:r>
-              <a:endParaRPr lang="en-US" altLang="zh-TW" sz="1600" dirty="0">
+          </a:ln>
+        </p:spPr>
+        <p:txBody>
+          <a:bodyPr wrap="square" rtlCol="0">
+            <a:spAutoFit/>
+          </a:bodyPr>
+          <a:lstStyle/>
+          <a:p>
+            <a:r>
+              <a:rPr lang="en-US" altLang="zh-TW" dirty="0">
+                <a:latin typeface="Times New Roman" panose="02020603050405020304" pitchFamily="18" charset="0"/>
+                <a:ea typeface="標楷體" panose="03000509000000000000" pitchFamily="65" charset="-120"/>
+                <a:cs typeface="Times New Roman" panose="02020603050405020304" pitchFamily="18" charset="0"/>
+              </a:rPr>
+              <a:t>LBP</a:t>
+            </a:r>
+            <a:r>
+              <a:rPr lang="zh-TW" altLang="en-US" dirty="0">
                 <a:latin typeface="標楷體" panose="03000509000000000000" pitchFamily="65" charset="-120"/>
                 <a:ea typeface="標楷體" panose="03000509000000000000" pitchFamily="65" charset="-120"/>
-              </a:endParaRPr>
-            </a:p>
-            <a:p>
-              <a:r>
-                <a:rPr lang="zh-TW" altLang="en-US" sz="1600" dirty="0">
-                  <a:latin typeface="標楷體" panose="03000509000000000000" pitchFamily="65" charset="-120"/>
-                  <a:ea typeface="標楷體" panose="03000509000000000000" pitchFamily="65" charset="-120"/>
-                </a:rPr>
-                <a:t>大</a:t>
-              </a:r>
-              <a:r>
-                <a:rPr lang="en-US" altLang="zh-TW" sz="1600" dirty="0">
-                  <a:latin typeface="標楷體" panose="03000509000000000000" pitchFamily="65" charset="-120"/>
-                  <a:ea typeface="標楷體" panose="03000509000000000000" pitchFamily="65" charset="-120"/>
-                </a:rPr>
-                <a:t>kernel </a:t>
-              </a:r>
-              <a:r>
-                <a:rPr lang="en-US" altLang="zh-TW" sz="1600" dirty="0" err="1">
-                  <a:latin typeface="標楷體" panose="03000509000000000000" pitchFamily="65" charset="-120"/>
-                  <a:ea typeface="標楷體" panose="03000509000000000000" pitchFamily="65" charset="-120"/>
-                </a:rPr>
-                <a:t>NxN</a:t>
-              </a:r>
-              <a:endParaRPr lang="zh-TW" altLang="en-US" sz="1600" dirty="0">
+              </a:rPr>
+              <a:t>紋路統計範圍</a:t>
+            </a:r>
+            <a:endParaRPr lang="en-US" altLang="zh-TW" dirty="0">
+              <a:latin typeface="標楷體" panose="03000509000000000000" pitchFamily="65" charset="-120"/>
+              <a:ea typeface="標楷體" panose="03000509000000000000" pitchFamily="65" charset="-120"/>
+            </a:endParaRPr>
+          </a:p>
+          <a:p>
+            <a:r>
+              <a:rPr lang="zh-TW" altLang="en-US" dirty="0">
                 <a:latin typeface="標楷體" panose="03000509000000000000" pitchFamily="65" charset="-120"/>
                 <a:ea typeface="標楷體" panose="03000509000000000000" pitchFamily="65" charset="-120"/>
-              </a:endParaRPr>
-            </a:p>
-          </p:txBody>
-        </p:sp>
-      </p:grpSp>
-      <p:grpSp>
-        <p:nvGrpSpPr>
-          <p:cNvPr id="23" name="群組 22">
-            <a:extLst>
-              <a:ext uri="{FF2B5EF4-FFF2-40B4-BE49-F238E27FC236}">
-                <a16:creationId xmlns:a16="http://schemas.microsoft.com/office/drawing/2014/main" id="{670592BF-D928-427C-AA71-E69396383811}"/>
-              </a:ext>
-            </a:extLst>
-          </p:cNvPr>
-          <p:cNvGrpSpPr/>
+              </a:rPr>
+              <a:t>大</a:t>
+            </a:r>
+            <a:r>
+              <a:rPr lang="en-US" altLang="zh-TW" dirty="0">
+                <a:latin typeface="Times New Roman" panose="02020603050405020304" pitchFamily="18" charset="0"/>
+                <a:ea typeface="標楷體" panose="03000509000000000000" pitchFamily="65" charset="-120"/>
+                <a:cs typeface="Times New Roman" panose="02020603050405020304" pitchFamily="18" charset="0"/>
+              </a:rPr>
+              <a:t>kernel </a:t>
+            </a:r>
+            <a:r>
+              <a:rPr lang="en-US" altLang="zh-TW" dirty="0" err="1">
+                <a:latin typeface="Times New Roman" panose="02020603050405020304" pitchFamily="18" charset="0"/>
+                <a:ea typeface="標楷體" panose="03000509000000000000" pitchFamily="65" charset="-120"/>
+                <a:cs typeface="Times New Roman" panose="02020603050405020304" pitchFamily="18" charset="0"/>
+              </a:rPr>
+              <a:t>NxN</a:t>
+            </a:r>
+            <a:endParaRPr lang="zh-TW" altLang="en-US" dirty="0">
+              <a:latin typeface="Times New Roman" panose="02020603050405020304" pitchFamily="18" charset="0"/>
+              <a:ea typeface="標楷體" panose="03000509000000000000" pitchFamily="65" charset="-120"/>
+              <a:cs typeface="Times New Roman" panose="02020603050405020304" pitchFamily="18" charset="0"/>
+            </a:endParaRPr>
+          </a:p>
+        </p:txBody>
+      </p:sp>
+      <p:sp>
+        <p:nvSpPr>
+          <p:cNvPr id="19" name="文字方塊 18">
+            <a:extLst>
+              <a:ext uri="{FF2B5EF4-FFF2-40B4-BE49-F238E27FC236}">
+                <a16:creationId xmlns:a16="http://schemas.microsoft.com/office/drawing/2014/main" id="{2116949C-969A-1752-AADF-21603A9AD5DD}"/>
+              </a:ext>
+            </a:extLst>
+          </p:cNvPr>
+          <p:cNvSpPr txBox="1"/>
           <p:nvPr/>
-        </p:nvGrpSpPr>
-        <p:grpSpPr>
+        </p:nvSpPr>
+        <p:spPr>
           <a:xfrm>
-            <a:off x="7530478" y="2617026"/>
-            <a:ext cx="1566908" cy="495670"/>
-            <a:chOff x="639193" y="1405492"/>
-            <a:chExt cx="1566908" cy="495670"/>
-          </a:xfrm>
-        </p:grpSpPr>
-        <p:sp>
-          <p:nvSpPr>
-            <p:cNvPr id="24" name="矩形: 圓角 23">
-              <a:extLst>
-                <a:ext uri="{FF2B5EF4-FFF2-40B4-BE49-F238E27FC236}">
-                  <a16:creationId xmlns:a16="http://schemas.microsoft.com/office/drawing/2014/main" id="{845D20C4-BAB1-4E4C-A731-012806656D84}"/>
-                </a:ext>
-              </a:extLst>
-            </p:cNvPr>
-            <p:cNvSpPr/>
-            <p:nvPr/>
-          </p:nvSpPr>
-          <p:spPr>
-            <a:xfrm>
-              <a:off x="639193" y="1405492"/>
-              <a:ext cx="1180730" cy="495670"/>
-            </a:xfrm>
-            <a:prstGeom prst="roundRect">
-              <a:avLst/>
-            </a:prstGeom>
-            <a:noFill/>
-            <a:ln w="38100">
-              <a:solidFill>
-                <a:srgbClr val="FF0000"/>
-              </a:solidFill>
-            </a:ln>
-          </p:spPr>
-          <p:style>
-            <a:lnRef idx="2">
-              <a:schemeClr val="accent1">
-                <a:shade val="50000"/>
-              </a:schemeClr>
-            </a:lnRef>
-            <a:fillRef idx="1">
-              <a:schemeClr val="accent1"/>
-            </a:fillRef>
-            <a:effectRef idx="0">
-              <a:schemeClr val="accent1"/>
-            </a:effectRef>
-            <a:fontRef idx="minor">
-              <a:schemeClr val="lt1"/>
-            </a:fontRef>
-          </p:style>
-          <p:txBody>
-            <a:bodyPr rtlCol="0" anchor="ctr"/>
-            <a:lstStyle/>
-            <a:p>
-              <a:pPr algn="ctr"/>
-              <a:endParaRPr lang="zh-TW" altLang="en-US"/>
-            </a:p>
-          </p:txBody>
-        </p:sp>
-        <p:sp>
-          <p:nvSpPr>
-            <p:cNvPr id="25" name="文字方塊 24">
-              <a:extLst>
-                <a:ext uri="{FF2B5EF4-FFF2-40B4-BE49-F238E27FC236}">
-                  <a16:creationId xmlns:a16="http://schemas.microsoft.com/office/drawing/2014/main" id="{F6590BFB-ED70-416C-B8B4-4478C8602FD3}"/>
-                </a:ext>
-              </a:extLst>
-            </p:cNvPr>
-            <p:cNvSpPr txBox="1"/>
-            <p:nvPr/>
-          </p:nvSpPr>
-          <p:spPr>
-            <a:xfrm>
-              <a:off x="838940" y="1484050"/>
-              <a:ext cx="1367161" cy="338554"/>
-            </a:xfrm>
-            <a:prstGeom prst="rect">
-              <a:avLst/>
-            </a:prstGeom>
-            <a:noFill/>
-          </p:spPr>
-          <p:txBody>
-            <a:bodyPr wrap="square" rtlCol="0">
-              <a:spAutoFit/>
-            </a:bodyPr>
-            <a:lstStyle/>
-            <a:p>
-              <a:r>
-                <a:rPr lang="en-US" altLang="zh-TW" sz="1600" dirty="0">
-                  <a:latin typeface="標楷體" panose="03000509000000000000" pitchFamily="65" charset="-120"/>
-                  <a:ea typeface="標楷體" panose="03000509000000000000" pitchFamily="65" charset="-120"/>
-                </a:rPr>
-                <a:t>sobel</a:t>
-              </a:r>
-              <a:endParaRPr lang="zh-TW" altLang="en-US" sz="1600" dirty="0">
+            <a:off x="8721517" y="1656111"/>
+            <a:ext cx="736810" cy="369332"/>
+          </a:xfrm>
+          <a:prstGeom prst="rect">
+            <a:avLst/>
+          </a:prstGeom>
+          <a:noFill/>
+        </p:spPr>
+        <p:txBody>
+          <a:bodyPr wrap="square" rtlCol="0">
+            <a:spAutoFit/>
+          </a:bodyPr>
+          <a:lstStyle/>
+          <a:p>
+            <a:r>
+              <a:rPr lang="en-US" altLang="zh-TW" dirty="0">
+                <a:latin typeface="Times New Roman" panose="02020603050405020304" pitchFamily="18" charset="0"/>
+                <a:ea typeface="標楷體" panose="03000509000000000000" pitchFamily="65" charset="-120"/>
+                <a:cs typeface="Times New Roman" panose="02020603050405020304" pitchFamily="18" charset="0"/>
+              </a:rPr>
+              <a:t>sobel</a:t>
+            </a:r>
+            <a:endParaRPr lang="zh-TW" altLang="en-US" dirty="0">
+              <a:latin typeface="Times New Roman" panose="02020603050405020304" pitchFamily="18" charset="0"/>
+              <a:ea typeface="標楷體" panose="03000509000000000000" pitchFamily="65" charset="-120"/>
+              <a:cs typeface="Times New Roman" panose="02020603050405020304" pitchFamily="18" charset="0"/>
+            </a:endParaRPr>
+          </a:p>
+        </p:txBody>
+      </p:sp>
+      <p:sp>
+        <p:nvSpPr>
+          <p:cNvPr id="20" name="文字方塊 19">
+            <a:extLst>
+              <a:ext uri="{FF2B5EF4-FFF2-40B4-BE49-F238E27FC236}">
+                <a16:creationId xmlns:a16="http://schemas.microsoft.com/office/drawing/2014/main" id="{82EC765B-2187-625F-55DD-6FCD3F9AFBA5}"/>
+              </a:ext>
+            </a:extLst>
+          </p:cNvPr>
+          <p:cNvSpPr txBox="1"/>
+          <p:nvPr/>
+        </p:nvSpPr>
+        <p:spPr>
+          <a:xfrm>
+            <a:off x="10780448" y="1656112"/>
+            <a:ext cx="1117200" cy="369332"/>
+          </a:xfrm>
+          <a:prstGeom prst="rect">
+            <a:avLst/>
+          </a:prstGeom>
+          <a:noFill/>
+        </p:spPr>
+        <p:txBody>
+          <a:bodyPr wrap="square" rtlCol="0">
+            <a:spAutoFit/>
+          </a:bodyPr>
+          <a:lstStyle/>
+          <a:p>
+            <a:r>
+              <a:rPr lang="zh-TW" altLang="en-US" dirty="0">
                 <a:latin typeface="標楷體" panose="03000509000000000000" pitchFamily="65" charset="-120"/>
                 <a:ea typeface="標楷體" panose="03000509000000000000" pitchFamily="65" charset="-120"/>
-              </a:endParaRPr>
-            </a:p>
-          </p:txBody>
-        </p:sp>
-      </p:grpSp>
-      <p:grpSp>
-        <p:nvGrpSpPr>
-          <p:cNvPr id="26" name="群組 25">
-            <a:extLst>
-              <a:ext uri="{FF2B5EF4-FFF2-40B4-BE49-F238E27FC236}">
-                <a16:creationId xmlns:a16="http://schemas.microsoft.com/office/drawing/2014/main" id="{17ABA0B5-6B6A-48A5-AEBC-B9B2D750BE92}"/>
-              </a:ext>
-            </a:extLst>
-          </p:cNvPr>
-          <p:cNvGrpSpPr/>
+              </a:rPr>
+              <a:t>參數設定</a:t>
+            </a:r>
+          </a:p>
+        </p:txBody>
+      </p:sp>
+      <p:sp>
+        <p:nvSpPr>
+          <p:cNvPr id="21" name="矩形 20">
+            <a:extLst>
+              <a:ext uri="{FF2B5EF4-FFF2-40B4-BE49-F238E27FC236}">
+                <a16:creationId xmlns:a16="http://schemas.microsoft.com/office/drawing/2014/main" id="{68DE04CB-7B26-37D1-03BC-4F0F48358E30}"/>
+              </a:ext>
+            </a:extLst>
+          </p:cNvPr>
+          <p:cNvSpPr/>
           <p:nvPr/>
-        </p:nvGrpSpPr>
-        <p:grpSpPr>
+        </p:nvSpPr>
+        <p:spPr>
           <a:xfrm>
-            <a:off x="9410950" y="2555345"/>
-            <a:ext cx="1438184" cy="495670"/>
-            <a:chOff x="639193" y="1405492"/>
-            <a:chExt cx="1438184" cy="495670"/>
-          </a:xfrm>
-        </p:grpSpPr>
-        <p:sp>
-          <p:nvSpPr>
-            <p:cNvPr id="27" name="矩形: 圓角 26">
-              <a:extLst>
-                <a:ext uri="{FF2B5EF4-FFF2-40B4-BE49-F238E27FC236}">
-                  <a16:creationId xmlns:a16="http://schemas.microsoft.com/office/drawing/2014/main" id="{C5713DCF-671F-46DB-BCB8-878F2BB9B985}"/>
-                </a:ext>
-              </a:extLst>
-            </p:cNvPr>
-            <p:cNvSpPr/>
-            <p:nvPr/>
-          </p:nvSpPr>
-          <p:spPr>
-            <a:xfrm>
-              <a:off x="639193" y="1405492"/>
-              <a:ext cx="1180730" cy="495670"/>
-            </a:xfrm>
-            <a:prstGeom prst="roundRect">
-              <a:avLst/>
-            </a:prstGeom>
-            <a:noFill/>
-            <a:ln w="38100">
-              <a:solidFill>
-                <a:srgbClr val="FF0000"/>
-              </a:solidFill>
-            </a:ln>
-          </p:spPr>
-          <p:style>
-            <a:lnRef idx="2">
-              <a:schemeClr val="accent1">
-                <a:shade val="50000"/>
-              </a:schemeClr>
-            </a:lnRef>
-            <a:fillRef idx="1">
-              <a:schemeClr val="accent1"/>
-            </a:fillRef>
-            <a:effectRef idx="0">
-              <a:schemeClr val="accent1"/>
-            </a:effectRef>
-            <a:fontRef idx="minor">
-              <a:schemeClr val="lt1"/>
-            </a:fontRef>
-          </p:style>
-          <p:txBody>
-            <a:bodyPr rtlCol="0" anchor="ctr"/>
-            <a:lstStyle/>
-            <a:p>
-              <a:pPr algn="ctr"/>
-              <a:endParaRPr lang="zh-TW" altLang="en-US"/>
-            </a:p>
-          </p:txBody>
-        </p:sp>
-        <p:sp>
-          <p:nvSpPr>
-            <p:cNvPr id="28" name="文字方塊 27">
-              <a:extLst>
-                <a:ext uri="{FF2B5EF4-FFF2-40B4-BE49-F238E27FC236}">
-                  <a16:creationId xmlns:a16="http://schemas.microsoft.com/office/drawing/2014/main" id="{2E8F238A-6370-4B9D-80E7-0535814D4255}"/>
-                </a:ext>
-              </a:extLst>
-            </p:cNvPr>
-            <p:cNvSpPr txBox="1"/>
-            <p:nvPr/>
-          </p:nvSpPr>
-          <p:spPr>
-            <a:xfrm>
-              <a:off x="710216" y="1484049"/>
-              <a:ext cx="1367161" cy="338554"/>
-            </a:xfrm>
-            <a:prstGeom prst="rect">
-              <a:avLst/>
-            </a:prstGeom>
-            <a:noFill/>
-          </p:spPr>
-          <p:txBody>
-            <a:bodyPr wrap="square" rtlCol="0">
-              <a:spAutoFit/>
-            </a:bodyPr>
-            <a:lstStyle/>
-            <a:p>
-              <a:r>
-                <a:rPr lang="zh-TW" altLang="en-US" sz="1600" dirty="0">
-                  <a:latin typeface="標楷體" panose="03000509000000000000" pitchFamily="65" charset="-120"/>
-                  <a:ea typeface="標楷體" panose="03000509000000000000" pitchFamily="65" charset="-120"/>
-                </a:rPr>
-                <a:t>參數設定</a:t>
-              </a:r>
-            </a:p>
-          </p:txBody>
-        </p:sp>
-      </p:grpSp>
+            <a:off x="3360" y="2727824"/>
+            <a:ext cx="1705903" cy="860947"/>
+          </a:xfrm>
+          <a:prstGeom prst="rect">
+            <a:avLst/>
+          </a:prstGeom>
+        </p:spPr>
+        <p:style>
+          <a:lnRef idx="2">
+            <a:schemeClr val="accent3">
+              <a:shade val="15000"/>
+            </a:schemeClr>
+          </a:lnRef>
+          <a:fillRef idx="1">
+            <a:schemeClr val="accent3"/>
+          </a:fillRef>
+          <a:effectRef idx="0">
+            <a:schemeClr val="accent3"/>
+          </a:effectRef>
+          <a:fontRef idx="minor">
+            <a:schemeClr val="lt1"/>
+          </a:fontRef>
+        </p:style>
+        <p:txBody>
+          <a:bodyPr rtlCol="0" anchor="ctr"/>
+          <a:lstStyle/>
+          <a:p>
+            <a:pPr algn="ctr"/>
+            <a:endParaRPr lang="zh-TW" altLang="en-US" dirty="0"/>
+          </a:p>
+        </p:txBody>
+      </p:sp>
+      <p:sp>
+        <p:nvSpPr>
+          <p:cNvPr id="22" name="矩形 21">
+            <a:extLst>
+              <a:ext uri="{FF2B5EF4-FFF2-40B4-BE49-F238E27FC236}">
+                <a16:creationId xmlns:a16="http://schemas.microsoft.com/office/drawing/2014/main" id="{F4FC31E1-EA0D-98F4-2BBE-D2124F4528DC}"/>
+              </a:ext>
+            </a:extLst>
+          </p:cNvPr>
+          <p:cNvSpPr/>
+          <p:nvPr/>
+        </p:nvSpPr>
+        <p:spPr>
+          <a:xfrm>
+            <a:off x="3739252" y="2727824"/>
+            <a:ext cx="1705903" cy="860947"/>
+          </a:xfrm>
+          <a:prstGeom prst="rect">
+            <a:avLst/>
+          </a:prstGeom>
+        </p:spPr>
+        <p:style>
+          <a:lnRef idx="2">
+            <a:schemeClr val="accent3">
+              <a:shade val="15000"/>
+            </a:schemeClr>
+          </a:lnRef>
+          <a:fillRef idx="1">
+            <a:schemeClr val="accent3"/>
+          </a:fillRef>
+          <a:effectRef idx="0">
+            <a:schemeClr val="accent3"/>
+          </a:effectRef>
+          <a:fontRef idx="minor">
+            <a:schemeClr val="lt1"/>
+          </a:fontRef>
+        </p:style>
+        <p:txBody>
+          <a:bodyPr rtlCol="0" anchor="ctr"/>
+          <a:lstStyle/>
+          <a:p>
+            <a:pPr algn="ctr"/>
+            <a:endParaRPr lang="zh-TW" altLang="en-US" dirty="0"/>
+          </a:p>
+        </p:txBody>
+      </p:sp>
+      <p:sp>
+        <p:nvSpPr>
+          <p:cNvPr id="23" name="矩形 22">
+            <a:extLst>
+              <a:ext uri="{FF2B5EF4-FFF2-40B4-BE49-F238E27FC236}">
+                <a16:creationId xmlns:a16="http://schemas.microsoft.com/office/drawing/2014/main" id="{94EF12EF-BCB6-E5CB-28D5-59BD3850375B}"/>
+              </a:ext>
+            </a:extLst>
+          </p:cNvPr>
+          <p:cNvSpPr/>
+          <p:nvPr/>
+        </p:nvSpPr>
+        <p:spPr>
+          <a:xfrm>
+            <a:off x="3738717" y="4063481"/>
+            <a:ext cx="1705903" cy="860947"/>
+          </a:xfrm>
+          <a:prstGeom prst="rect">
+            <a:avLst/>
+          </a:prstGeom>
+        </p:spPr>
+        <p:style>
+          <a:lnRef idx="2">
+            <a:schemeClr val="accent3">
+              <a:shade val="15000"/>
+            </a:schemeClr>
+          </a:lnRef>
+          <a:fillRef idx="1">
+            <a:schemeClr val="accent3"/>
+          </a:fillRef>
+          <a:effectRef idx="0">
+            <a:schemeClr val="accent3"/>
+          </a:effectRef>
+          <a:fontRef idx="minor">
+            <a:schemeClr val="lt1"/>
+          </a:fontRef>
+        </p:style>
+        <p:txBody>
+          <a:bodyPr rtlCol="0" anchor="ctr"/>
+          <a:lstStyle/>
+          <a:p>
+            <a:pPr algn="ctr"/>
+            <a:endParaRPr lang="zh-TW" altLang="en-US" dirty="0"/>
+          </a:p>
+        </p:txBody>
+      </p:sp>
+      <p:sp>
+        <p:nvSpPr>
+          <p:cNvPr id="25" name="矩形 24">
+            <a:extLst>
+              <a:ext uri="{FF2B5EF4-FFF2-40B4-BE49-F238E27FC236}">
+                <a16:creationId xmlns:a16="http://schemas.microsoft.com/office/drawing/2014/main" id="{F78777F0-5763-D0C3-2DD3-60BA41C19E7F}"/>
+              </a:ext>
+            </a:extLst>
+          </p:cNvPr>
+          <p:cNvSpPr/>
+          <p:nvPr/>
+        </p:nvSpPr>
+        <p:spPr>
+          <a:xfrm>
+            <a:off x="5987844" y="2746119"/>
+            <a:ext cx="1705903" cy="860947"/>
+          </a:xfrm>
+          <a:prstGeom prst="rect">
+            <a:avLst/>
+          </a:prstGeom>
+        </p:spPr>
+        <p:style>
+          <a:lnRef idx="2">
+            <a:schemeClr val="accent3">
+              <a:shade val="15000"/>
+            </a:schemeClr>
+          </a:lnRef>
+          <a:fillRef idx="1">
+            <a:schemeClr val="accent3"/>
+          </a:fillRef>
+          <a:effectRef idx="0">
+            <a:schemeClr val="accent3"/>
+          </a:effectRef>
+          <a:fontRef idx="minor">
+            <a:schemeClr val="lt1"/>
+          </a:fontRef>
+        </p:style>
+        <p:txBody>
+          <a:bodyPr rtlCol="0" anchor="ctr"/>
+          <a:lstStyle/>
+          <a:p>
+            <a:pPr algn="ctr"/>
+            <a:endParaRPr lang="zh-TW" altLang="en-US" dirty="0"/>
+          </a:p>
+        </p:txBody>
+      </p:sp>
+      <p:sp>
+        <p:nvSpPr>
+          <p:cNvPr id="26" name="矩形 25">
+            <a:extLst>
+              <a:ext uri="{FF2B5EF4-FFF2-40B4-BE49-F238E27FC236}">
+                <a16:creationId xmlns:a16="http://schemas.microsoft.com/office/drawing/2014/main" id="{4160749C-7C49-5215-F65E-299934C35643}"/>
+              </a:ext>
+            </a:extLst>
+          </p:cNvPr>
+          <p:cNvSpPr/>
+          <p:nvPr/>
+        </p:nvSpPr>
+        <p:spPr>
+          <a:xfrm>
+            <a:off x="10486096" y="2811401"/>
+            <a:ext cx="1705903" cy="860947"/>
+          </a:xfrm>
+          <a:prstGeom prst="rect">
+            <a:avLst/>
+          </a:prstGeom>
+        </p:spPr>
+        <p:style>
+          <a:lnRef idx="2">
+            <a:schemeClr val="accent3">
+              <a:shade val="15000"/>
+            </a:schemeClr>
+          </a:lnRef>
+          <a:fillRef idx="1">
+            <a:schemeClr val="accent3"/>
+          </a:fillRef>
+          <a:effectRef idx="0">
+            <a:schemeClr val="accent3"/>
+          </a:effectRef>
+          <a:fontRef idx="minor">
+            <a:schemeClr val="lt1"/>
+          </a:fontRef>
+        </p:style>
+        <p:txBody>
+          <a:bodyPr rtlCol="0" anchor="ctr"/>
+          <a:lstStyle/>
+          <a:p>
+            <a:pPr algn="ctr"/>
+            <a:endParaRPr lang="zh-TW" altLang="en-US" dirty="0"/>
+          </a:p>
+        </p:txBody>
+      </p:sp>
+      <p:sp>
+        <p:nvSpPr>
+          <p:cNvPr id="27" name="矩形 26">
+            <a:extLst>
+              <a:ext uri="{FF2B5EF4-FFF2-40B4-BE49-F238E27FC236}">
+                <a16:creationId xmlns:a16="http://schemas.microsoft.com/office/drawing/2014/main" id="{0B3A2F21-B889-DB2D-8A47-809BCF71B769}"/>
+              </a:ext>
+            </a:extLst>
+          </p:cNvPr>
+          <p:cNvSpPr/>
+          <p:nvPr/>
+        </p:nvSpPr>
+        <p:spPr>
+          <a:xfrm>
+            <a:off x="1948974" y="2731831"/>
+            <a:ext cx="1705903" cy="860947"/>
+          </a:xfrm>
+          <a:prstGeom prst="rect">
+            <a:avLst/>
+          </a:prstGeom>
+        </p:spPr>
+        <p:style>
+          <a:lnRef idx="2">
+            <a:schemeClr val="accent3">
+              <a:shade val="15000"/>
+            </a:schemeClr>
+          </a:lnRef>
+          <a:fillRef idx="1">
+            <a:schemeClr val="accent3"/>
+          </a:fillRef>
+          <a:effectRef idx="0">
+            <a:schemeClr val="accent3"/>
+          </a:effectRef>
+          <a:fontRef idx="minor">
+            <a:schemeClr val="lt1"/>
+          </a:fontRef>
+        </p:style>
+        <p:txBody>
+          <a:bodyPr rtlCol="0" anchor="ctr"/>
+          <a:lstStyle/>
+          <a:p>
+            <a:pPr algn="ctr"/>
+            <a:endParaRPr lang="zh-TW" altLang="en-US" dirty="0"/>
+          </a:p>
+        </p:txBody>
+      </p:sp>
       <p:cxnSp>
         <p:nvCxnSpPr>
-          <p:cNvPr id="30" name="直線單箭頭接點 29">
-            <a:extLst>
-              <a:ext uri="{FF2B5EF4-FFF2-40B4-BE49-F238E27FC236}">
-                <a16:creationId xmlns:a16="http://schemas.microsoft.com/office/drawing/2014/main" id="{48710FB2-9AAD-4934-A412-479DE14864A5}"/>
+          <p:cNvPr id="29" name="接點: 肘形 28">
+            <a:extLst>
+              <a:ext uri="{FF2B5EF4-FFF2-40B4-BE49-F238E27FC236}">
+                <a16:creationId xmlns:a16="http://schemas.microsoft.com/office/drawing/2014/main" id="{644678BE-C2C5-DE3E-DD39-1B8C4B1110C0}"/>
               </a:ext>
             </a:extLst>
           </p:cNvPr>
           <p:cNvCxnSpPr>
             <a:cxnSpLocks/>
-            <a:stCxn id="4" idx="2"/>
-            <a:endCxn id="22" idx="0"/>
+            <a:stCxn id="8" idx="2"/>
+            <a:endCxn id="21" idx="0"/>
           </p:cNvCxnSpPr>
           <p:nvPr/>
         </p:nvCxnSpPr>
         <p:spPr>
-          <a:xfrm>
-            <a:off x="6195755" y="1975939"/>
-            <a:ext cx="197642" cy="559163"/>
-          </a:xfrm>
-          <a:prstGeom prst="straightConnector1">
-            <a:avLst/>
+          <a:xfrm rot="5400000">
+            <a:off x="1090905" y="2018519"/>
+            <a:ext cx="474713" cy="943897"/>
+          </a:xfrm>
+          <a:prstGeom prst="bentConnector3">
+            <a:avLst>
+              <a:gd name="adj1" fmla="val 50000"/>
+            </a:avLst>
           </a:prstGeom>
           <a:ln w="19050">
-            <a:solidFill>
-              <a:srgbClr val="FF0000"/>
-            </a:solidFill>
             <a:tailEnd type="triangle"/>
           </a:ln>
         </p:spPr>
@@ -4082,32 +4269,31 @@
       </p:cxnSp>
       <p:cxnSp>
         <p:nvCxnSpPr>
-          <p:cNvPr id="31" name="直線單箭頭接點 30">
-            <a:extLst>
-              <a:ext uri="{FF2B5EF4-FFF2-40B4-BE49-F238E27FC236}">
-                <a16:creationId xmlns:a16="http://schemas.microsoft.com/office/drawing/2014/main" id="{4DDA732B-8EC2-4119-91F0-6E66AB06231E}"/>
+          <p:cNvPr id="32" name="接點: 肘形 31">
+            <a:extLst>
+              <a:ext uri="{FF2B5EF4-FFF2-40B4-BE49-F238E27FC236}">
+                <a16:creationId xmlns:a16="http://schemas.microsoft.com/office/drawing/2014/main" id="{4B07B401-5839-7B52-BD8C-768770E49919}"/>
               </a:ext>
             </a:extLst>
           </p:cNvPr>
           <p:cNvCxnSpPr>
             <a:cxnSpLocks/>
-            <a:stCxn id="4" idx="2"/>
-            <a:endCxn id="6" idx="0"/>
+            <a:stCxn id="8" idx="2"/>
+            <a:endCxn id="27" idx="0"/>
           </p:cNvCxnSpPr>
           <p:nvPr/>
         </p:nvCxnSpPr>
         <p:spPr>
-          <a:xfrm flipH="1">
-            <a:off x="2390013" y="1975939"/>
-            <a:ext cx="3805742" cy="579406"/>
-          </a:xfrm>
-          <a:prstGeom prst="straightConnector1">
-            <a:avLst/>
+          <a:xfrm rot="16200000" flipH="1">
+            <a:off x="2061707" y="1991612"/>
+            <a:ext cx="478720" cy="1001717"/>
+          </a:xfrm>
+          <a:prstGeom prst="bentConnector3">
+            <a:avLst>
+              <a:gd name="adj1" fmla="val 50000"/>
+            </a:avLst>
           </a:prstGeom>
           <a:ln w="19050">
-            <a:solidFill>
-              <a:srgbClr val="FF0000"/>
-            </a:solidFill>
             <a:tailEnd type="triangle"/>
           </a:ln>
         </p:spPr>
@@ -4128,32 +4314,31 @@
       </p:cxnSp>
       <p:cxnSp>
         <p:nvCxnSpPr>
-          <p:cNvPr id="34" name="直線單箭頭接點 33">
-            <a:extLst>
-              <a:ext uri="{FF2B5EF4-FFF2-40B4-BE49-F238E27FC236}">
-                <a16:creationId xmlns:a16="http://schemas.microsoft.com/office/drawing/2014/main" id="{57AC086D-C39D-4BE9-83FD-A9C1DFEF53D9}"/>
+          <p:cNvPr id="35" name="接點: 肘形 34">
+            <a:extLst>
+              <a:ext uri="{FF2B5EF4-FFF2-40B4-BE49-F238E27FC236}">
+                <a16:creationId xmlns:a16="http://schemas.microsoft.com/office/drawing/2014/main" id="{C07E3EA5-46ED-B6CA-7267-59852CCAAEA1}"/>
               </a:ext>
             </a:extLst>
           </p:cNvPr>
           <p:cNvCxnSpPr>
             <a:cxnSpLocks/>
-            <a:stCxn id="4" idx="2"/>
-            <a:endCxn id="24" idx="0"/>
+            <a:stCxn id="13" idx="2"/>
+            <a:endCxn id="22" idx="0"/>
           </p:cNvCxnSpPr>
           <p:nvPr/>
         </p:nvCxnSpPr>
         <p:spPr>
-          <a:xfrm>
-            <a:off x="6195755" y="1975939"/>
-            <a:ext cx="1925088" cy="641087"/>
-          </a:xfrm>
-          <a:prstGeom prst="straightConnector1">
-            <a:avLst/>
+          <a:xfrm rot="16200000" flipH="1">
+            <a:off x="4354582" y="2490202"/>
+            <a:ext cx="474710" cy="533"/>
+          </a:xfrm>
+          <a:prstGeom prst="bentConnector3">
+            <a:avLst>
+              <a:gd name="adj1" fmla="val 50000"/>
+            </a:avLst>
           </a:prstGeom>
           <a:ln w="19050">
-            <a:solidFill>
-              <a:srgbClr val="FF0000"/>
-            </a:solidFill>
             <a:tailEnd type="triangle"/>
           </a:ln>
         </p:spPr>
@@ -4174,32 +4359,31 @@
       </p:cxnSp>
       <p:cxnSp>
         <p:nvCxnSpPr>
-          <p:cNvPr id="37" name="直線單箭頭接點 36">
-            <a:extLst>
-              <a:ext uri="{FF2B5EF4-FFF2-40B4-BE49-F238E27FC236}">
-                <a16:creationId xmlns:a16="http://schemas.microsoft.com/office/drawing/2014/main" id="{A988CCF7-2356-47E5-BF1D-C789FC1ED34B}"/>
+          <p:cNvPr id="42" name="接點: 肘形 41">
+            <a:extLst>
+              <a:ext uri="{FF2B5EF4-FFF2-40B4-BE49-F238E27FC236}">
+                <a16:creationId xmlns:a16="http://schemas.microsoft.com/office/drawing/2014/main" id="{CDEE4AC4-857C-A538-50DD-4F920F83C7F1}"/>
               </a:ext>
             </a:extLst>
           </p:cNvPr>
           <p:cNvCxnSpPr>
             <a:cxnSpLocks/>
-            <a:stCxn id="4" idx="2"/>
-            <a:endCxn id="27" idx="0"/>
+            <a:stCxn id="22" idx="2"/>
+            <a:endCxn id="23" idx="0"/>
           </p:cNvCxnSpPr>
           <p:nvPr/>
         </p:nvCxnSpPr>
         <p:spPr>
-          <a:xfrm>
-            <a:off x="6195755" y="1975939"/>
-            <a:ext cx="3805560" cy="579406"/>
-          </a:xfrm>
-          <a:prstGeom prst="straightConnector1">
-            <a:avLst/>
+          <a:xfrm rot="5400000">
+            <a:off x="4354582" y="3825859"/>
+            <a:ext cx="474710" cy="535"/>
+          </a:xfrm>
+          <a:prstGeom prst="bentConnector3">
+            <a:avLst>
+              <a:gd name="adj1" fmla="val 50000"/>
+            </a:avLst>
           </a:prstGeom>
           <a:ln w="19050">
-            <a:solidFill>
-              <a:srgbClr val="FF0000"/>
-            </a:solidFill>
             <a:tailEnd type="triangle"/>
           </a:ln>
         </p:spPr>
@@ -4220,786 +4404,31 @@
       </p:cxnSp>
       <p:cxnSp>
         <p:nvCxnSpPr>
-          <p:cNvPr id="40" name="直線單箭頭接點 39">
-            <a:extLst>
-              <a:ext uri="{FF2B5EF4-FFF2-40B4-BE49-F238E27FC236}">
-                <a16:creationId xmlns:a16="http://schemas.microsoft.com/office/drawing/2014/main" id="{06AE7C41-9B81-4978-AB9A-540188CA7E20}"/>
+          <p:cNvPr id="50" name="接點: 肘形 49">
+            <a:extLst>
+              <a:ext uri="{FF2B5EF4-FFF2-40B4-BE49-F238E27FC236}">
+                <a16:creationId xmlns:a16="http://schemas.microsoft.com/office/drawing/2014/main" id="{D9AA4F2C-7A43-27EC-A2F4-7B4390249919}"/>
               </a:ext>
             </a:extLst>
           </p:cNvPr>
           <p:cNvCxnSpPr>
             <a:cxnSpLocks/>
             <a:stCxn id="4" idx="2"/>
-            <a:endCxn id="18" idx="0"/>
+            <a:endCxn id="13" idx="0"/>
           </p:cNvCxnSpPr>
           <p:nvPr/>
         </p:nvCxnSpPr>
         <p:spPr>
-          <a:xfrm flipH="1">
-            <a:off x="4301853" y="1975939"/>
-            <a:ext cx="1893902" cy="579406"/>
-          </a:xfrm>
-          <a:prstGeom prst="straightConnector1">
-            <a:avLst/>
+          <a:xfrm rot="5400000">
+            <a:off x="5156885" y="453051"/>
+            <a:ext cx="373903" cy="1504329"/>
+          </a:xfrm>
+          <a:prstGeom prst="bentConnector3">
+            <a:avLst>
+              <a:gd name="adj1" fmla="val 50000"/>
+            </a:avLst>
           </a:prstGeom>
           <a:ln w="19050">
-            <a:solidFill>
-              <a:srgbClr val="FF0000"/>
-            </a:solidFill>
-            <a:tailEnd type="triangle"/>
-          </a:ln>
-        </p:spPr>
-        <p:style>
-          <a:lnRef idx="1">
-            <a:schemeClr val="accent1"/>
-          </a:lnRef>
-          <a:fillRef idx="0">
-            <a:schemeClr val="accent1"/>
-          </a:fillRef>
-          <a:effectRef idx="0">
-            <a:schemeClr val="accent1"/>
-          </a:effectRef>
-          <a:fontRef idx="minor">
-            <a:schemeClr val="tx1"/>
-          </a:fontRef>
-        </p:style>
-      </p:cxnSp>
-      <p:grpSp>
-        <p:nvGrpSpPr>
-          <p:cNvPr id="46" name="群組 45">
-            <a:extLst>
-              <a:ext uri="{FF2B5EF4-FFF2-40B4-BE49-F238E27FC236}">
-                <a16:creationId xmlns:a16="http://schemas.microsoft.com/office/drawing/2014/main" id="{72487755-6259-4871-B01D-525C050B5948}"/>
-              </a:ext>
-            </a:extLst>
-          </p:cNvPr>
-          <p:cNvGrpSpPr/>
-          <p:nvPr/>
-        </p:nvGrpSpPr>
-        <p:grpSpPr>
-          <a:xfrm>
-            <a:off x="336492" y="3815622"/>
-            <a:ext cx="1367161" cy="495670"/>
-            <a:chOff x="545977" y="1405492"/>
-            <a:chExt cx="1367161" cy="495670"/>
-          </a:xfrm>
-        </p:grpSpPr>
-        <p:sp>
-          <p:nvSpPr>
-            <p:cNvPr id="47" name="矩形: 圓角 46">
-              <a:extLst>
-                <a:ext uri="{FF2B5EF4-FFF2-40B4-BE49-F238E27FC236}">
-                  <a16:creationId xmlns:a16="http://schemas.microsoft.com/office/drawing/2014/main" id="{94C8779C-85D2-4ABE-A2D7-85C88C7C8ACC}"/>
-                </a:ext>
-              </a:extLst>
-            </p:cNvPr>
-            <p:cNvSpPr/>
-            <p:nvPr/>
-          </p:nvSpPr>
-          <p:spPr>
-            <a:xfrm>
-              <a:off x="639193" y="1405492"/>
-              <a:ext cx="1180730" cy="495670"/>
-            </a:xfrm>
-            <a:prstGeom prst="roundRect">
-              <a:avLst/>
-            </a:prstGeom>
-            <a:noFill/>
-            <a:ln w="38100">
-              <a:solidFill>
-                <a:srgbClr val="FF0000"/>
-              </a:solidFill>
-            </a:ln>
-          </p:spPr>
-          <p:style>
-            <a:lnRef idx="2">
-              <a:schemeClr val="accent1">
-                <a:shade val="50000"/>
-              </a:schemeClr>
-            </a:lnRef>
-            <a:fillRef idx="1">
-              <a:schemeClr val="accent1"/>
-            </a:fillRef>
-            <a:effectRef idx="0">
-              <a:schemeClr val="accent1"/>
-            </a:effectRef>
-            <a:fontRef idx="minor">
-              <a:schemeClr val="lt1"/>
-            </a:fontRef>
-          </p:style>
-          <p:txBody>
-            <a:bodyPr rtlCol="0" anchor="ctr"/>
-            <a:lstStyle/>
-            <a:p>
-              <a:pPr algn="ctr"/>
-              <a:endParaRPr lang="zh-TW" altLang="en-US"/>
-            </a:p>
-          </p:txBody>
-        </p:sp>
-        <p:sp>
-          <p:nvSpPr>
-            <p:cNvPr id="48" name="文字方塊 47">
-              <a:extLst>
-                <a:ext uri="{FF2B5EF4-FFF2-40B4-BE49-F238E27FC236}">
-                  <a16:creationId xmlns:a16="http://schemas.microsoft.com/office/drawing/2014/main" id="{603898F5-C73C-468D-8A3A-BD40D4CD35C2}"/>
-                </a:ext>
-              </a:extLst>
-            </p:cNvPr>
-            <p:cNvSpPr txBox="1"/>
-            <p:nvPr/>
-          </p:nvSpPr>
-          <p:spPr>
-            <a:xfrm>
-              <a:off x="545977" y="1467173"/>
-              <a:ext cx="1367161" cy="338554"/>
-            </a:xfrm>
-            <a:prstGeom prst="rect">
-              <a:avLst/>
-            </a:prstGeom>
-            <a:noFill/>
-          </p:spPr>
-          <p:txBody>
-            <a:bodyPr wrap="square" rtlCol="0">
-              <a:spAutoFit/>
-            </a:bodyPr>
-            <a:lstStyle/>
-            <a:p>
-              <a:r>
-                <a:rPr lang="en-US" altLang="zh-TW" sz="1600" dirty="0">
-                  <a:latin typeface="標楷體" panose="03000509000000000000" pitchFamily="65" charset="-120"/>
-                  <a:ea typeface="標楷體" panose="03000509000000000000" pitchFamily="65" charset="-120"/>
-                </a:rPr>
-                <a:t>3x3 LBP</a:t>
-              </a:r>
-              <a:r>
-                <a:rPr lang="zh-TW" altLang="en-US" sz="1600" dirty="0">
-                  <a:latin typeface="標楷體" panose="03000509000000000000" pitchFamily="65" charset="-120"/>
-                  <a:ea typeface="標楷體" panose="03000509000000000000" pitchFamily="65" charset="-120"/>
-                </a:rPr>
-                <a:t>編碼</a:t>
-              </a:r>
-            </a:p>
-          </p:txBody>
-        </p:sp>
-      </p:grpSp>
-      <p:cxnSp>
-        <p:nvCxnSpPr>
-          <p:cNvPr id="49" name="直線單箭頭接點 48">
-            <a:extLst>
-              <a:ext uri="{FF2B5EF4-FFF2-40B4-BE49-F238E27FC236}">
-                <a16:creationId xmlns:a16="http://schemas.microsoft.com/office/drawing/2014/main" id="{82B4FBA1-1626-45FF-A577-22427C5BDA2E}"/>
-              </a:ext>
-            </a:extLst>
-          </p:cNvPr>
-          <p:cNvCxnSpPr>
-            <a:cxnSpLocks/>
-            <a:stCxn id="6" idx="2"/>
-            <a:endCxn id="47" idx="0"/>
-          </p:cNvCxnSpPr>
-          <p:nvPr/>
-        </p:nvCxnSpPr>
-        <p:spPr>
-          <a:xfrm flipH="1">
-            <a:off x="1020073" y="3051015"/>
-            <a:ext cx="1369940" cy="764607"/>
-          </a:xfrm>
-          <a:prstGeom prst="straightConnector1">
-            <a:avLst/>
-          </a:prstGeom>
-          <a:ln>
-            <a:solidFill>
-              <a:srgbClr val="FF0000"/>
-            </a:solidFill>
-            <a:tailEnd type="triangle"/>
-          </a:ln>
-        </p:spPr>
-        <p:style>
-          <a:lnRef idx="1">
-            <a:schemeClr val="accent1"/>
-          </a:lnRef>
-          <a:fillRef idx="0">
-            <a:schemeClr val="accent1"/>
-          </a:fillRef>
-          <a:effectRef idx="0">
-            <a:schemeClr val="accent1"/>
-          </a:effectRef>
-          <a:fontRef idx="minor">
-            <a:schemeClr val="tx1"/>
-          </a:fontRef>
-        </p:style>
-      </p:cxnSp>
-      <p:grpSp>
-        <p:nvGrpSpPr>
-          <p:cNvPr id="53" name="群組 52">
-            <a:extLst>
-              <a:ext uri="{FF2B5EF4-FFF2-40B4-BE49-F238E27FC236}">
-                <a16:creationId xmlns:a16="http://schemas.microsoft.com/office/drawing/2014/main" id="{546453F8-ED71-4D4C-ABCD-E775F5917580}"/>
-              </a:ext>
-            </a:extLst>
-          </p:cNvPr>
-          <p:cNvGrpSpPr/>
-          <p:nvPr/>
-        </p:nvGrpSpPr>
-        <p:grpSpPr>
-          <a:xfrm>
-            <a:off x="1796868" y="3816148"/>
-            <a:ext cx="1460376" cy="495670"/>
-            <a:chOff x="639193" y="1405492"/>
-            <a:chExt cx="1460376" cy="495670"/>
-          </a:xfrm>
-        </p:grpSpPr>
-        <p:sp>
-          <p:nvSpPr>
-            <p:cNvPr id="54" name="矩形: 圓角 53">
-              <a:extLst>
-                <a:ext uri="{FF2B5EF4-FFF2-40B4-BE49-F238E27FC236}">
-                  <a16:creationId xmlns:a16="http://schemas.microsoft.com/office/drawing/2014/main" id="{D654D154-3EFF-4AF3-AE81-A52F09442415}"/>
-                </a:ext>
-              </a:extLst>
-            </p:cNvPr>
-            <p:cNvSpPr/>
-            <p:nvPr/>
-          </p:nvSpPr>
-          <p:spPr>
-            <a:xfrm>
-              <a:off x="639193" y="1405492"/>
-              <a:ext cx="1180730" cy="495670"/>
-            </a:xfrm>
-            <a:prstGeom prst="roundRect">
-              <a:avLst/>
-            </a:prstGeom>
-            <a:noFill/>
-            <a:ln w="38100">
-              <a:solidFill>
-                <a:srgbClr val="FF0000"/>
-              </a:solidFill>
-            </a:ln>
-          </p:spPr>
-          <p:style>
-            <a:lnRef idx="2">
-              <a:schemeClr val="accent1">
-                <a:shade val="50000"/>
-              </a:schemeClr>
-            </a:lnRef>
-            <a:fillRef idx="1">
-              <a:schemeClr val="accent1"/>
-            </a:fillRef>
-            <a:effectRef idx="0">
-              <a:schemeClr val="accent1"/>
-            </a:effectRef>
-            <a:fontRef idx="minor">
-              <a:schemeClr val="lt1"/>
-            </a:fontRef>
-          </p:style>
-          <p:txBody>
-            <a:bodyPr rtlCol="0" anchor="ctr"/>
-            <a:lstStyle/>
-            <a:p>
-              <a:pPr algn="ctr"/>
-              <a:endParaRPr lang="zh-TW" altLang="en-US" dirty="0"/>
-            </a:p>
-          </p:txBody>
-        </p:sp>
-        <p:sp>
-          <p:nvSpPr>
-            <p:cNvPr id="55" name="文字方塊 54">
-              <a:extLst>
-                <a:ext uri="{FF2B5EF4-FFF2-40B4-BE49-F238E27FC236}">
-                  <a16:creationId xmlns:a16="http://schemas.microsoft.com/office/drawing/2014/main" id="{FDB9DC82-D786-4F9E-8491-BE3974834983}"/>
-                </a:ext>
-              </a:extLst>
-            </p:cNvPr>
-            <p:cNvSpPr txBox="1"/>
-            <p:nvPr/>
-          </p:nvSpPr>
-          <p:spPr>
-            <a:xfrm>
-              <a:off x="732408" y="1484050"/>
-              <a:ext cx="1367161" cy="338554"/>
-            </a:xfrm>
-            <a:prstGeom prst="rect">
-              <a:avLst/>
-            </a:prstGeom>
-            <a:noFill/>
-          </p:spPr>
-          <p:txBody>
-            <a:bodyPr wrap="square" rtlCol="0">
-              <a:spAutoFit/>
-            </a:bodyPr>
-            <a:lstStyle/>
-            <a:p>
-              <a:r>
-                <a:rPr lang="en-US" altLang="zh-TW" sz="1600" dirty="0">
-                  <a:latin typeface="Times New Roman" panose="02020603050405020304" pitchFamily="18" charset="0"/>
-                  <a:ea typeface="標楷體" panose="03000509000000000000" pitchFamily="65" charset="-120"/>
-                  <a:cs typeface="Times New Roman" panose="02020603050405020304" pitchFamily="18" charset="0"/>
-                </a:rPr>
-                <a:t>histogram</a:t>
-              </a:r>
-              <a:endParaRPr lang="zh-TW" altLang="en-US" sz="1600" dirty="0">
-                <a:latin typeface="Times New Roman" panose="02020603050405020304" pitchFamily="18" charset="0"/>
-                <a:ea typeface="標楷體" panose="03000509000000000000" pitchFamily="65" charset="-120"/>
-                <a:cs typeface="Times New Roman" panose="02020603050405020304" pitchFamily="18" charset="0"/>
-              </a:endParaRPr>
-            </a:p>
-          </p:txBody>
-        </p:sp>
-      </p:grpSp>
-      <p:cxnSp>
-        <p:nvCxnSpPr>
-          <p:cNvPr id="57" name="直線單箭頭接點 56">
-            <a:extLst>
-              <a:ext uri="{FF2B5EF4-FFF2-40B4-BE49-F238E27FC236}">
-                <a16:creationId xmlns:a16="http://schemas.microsoft.com/office/drawing/2014/main" id="{81743153-0BDE-4CD1-98D4-F9BAF3CD7114}"/>
-              </a:ext>
-            </a:extLst>
-          </p:cNvPr>
-          <p:cNvCxnSpPr>
-            <a:stCxn id="6" idx="2"/>
-            <a:endCxn id="54" idx="0"/>
-          </p:cNvCxnSpPr>
-          <p:nvPr/>
-        </p:nvCxnSpPr>
-        <p:spPr>
-          <a:xfrm flipH="1">
-            <a:off x="2387233" y="3051015"/>
-            <a:ext cx="2780" cy="765133"/>
-          </a:xfrm>
-          <a:prstGeom prst="straightConnector1">
-            <a:avLst/>
-          </a:prstGeom>
-          <a:ln>
-            <a:solidFill>
-              <a:srgbClr val="FF0000"/>
-            </a:solidFill>
-            <a:tailEnd type="triangle"/>
-          </a:ln>
-        </p:spPr>
-        <p:style>
-          <a:lnRef idx="1">
-            <a:schemeClr val="accent1"/>
-          </a:lnRef>
-          <a:fillRef idx="0">
-            <a:schemeClr val="accent1"/>
-          </a:fillRef>
-          <a:effectRef idx="0">
-            <a:schemeClr val="accent1"/>
-          </a:effectRef>
-          <a:fontRef idx="minor">
-            <a:schemeClr val="tx1"/>
-          </a:fontRef>
-        </p:style>
-      </p:cxnSp>
-      <p:grpSp>
-        <p:nvGrpSpPr>
-          <p:cNvPr id="58" name="群組 57">
-            <a:extLst>
-              <a:ext uri="{FF2B5EF4-FFF2-40B4-BE49-F238E27FC236}">
-                <a16:creationId xmlns:a16="http://schemas.microsoft.com/office/drawing/2014/main" id="{3C40DD52-4787-40B5-BECE-DC08CAAF58EC}"/>
-              </a:ext>
-            </a:extLst>
-          </p:cNvPr>
-          <p:cNvGrpSpPr/>
-          <p:nvPr/>
-        </p:nvGrpSpPr>
-        <p:grpSpPr>
-          <a:xfrm>
-            <a:off x="3128798" y="3815622"/>
-            <a:ext cx="1379656" cy="495670"/>
-            <a:chOff x="639193" y="1405492"/>
-            <a:chExt cx="1379656" cy="495670"/>
-          </a:xfrm>
-        </p:grpSpPr>
-        <p:sp>
-          <p:nvSpPr>
-            <p:cNvPr id="59" name="矩形: 圓角 58">
-              <a:extLst>
-                <a:ext uri="{FF2B5EF4-FFF2-40B4-BE49-F238E27FC236}">
-                  <a16:creationId xmlns:a16="http://schemas.microsoft.com/office/drawing/2014/main" id="{D8E792FD-7820-4D44-95C4-F0AB652CCD94}"/>
-                </a:ext>
-              </a:extLst>
-            </p:cNvPr>
-            <p:cNvSpPr/>
-            <p:nvPr/>
-          </p:nvSpPr>
-          <p:spPr>
-            <a:xfrm>
-              <a:off x="639193" y="1405492"/>
-              <a:ext cx="1180730" cy="495670"/>
-            </a:xfrm>
-            <a:prstGeom prst="roundRect">
-              <a:avLst/>
-            </a:prstGeom>
-            <a:noFill/>
-            <a:ln w="38100">
-              <a:solidFill>
-                <a:srgbClr val="FF0000"/>
-              </a:solidFill>
-            </a:ln>
-          </p:spPr>
-          <p:style>
-            <a:lnRef idx="2">
-              <a:schemeClr val="accent1">
-                <a:shade val="50000"/>
-              </a:schemeClr>
-            </a:lnRef>
-            <a:fillRef idx="1">
-              <a:schemeClr val="accent1"/>
-            </a:fillRef>
-            <a:effectRef idx="0">
-              <a:schemeClr val="accent1"/>
-            </a:effectRef>
-            <a:fontRef idx="minor">
-              <a:schemeClr val="lt1"/>
-            </a:fontRef>
-          </p:style>
-          <p:txBody>
-            <a:bodyPr rtlCol="0" anchor="ctr"/>
-            <a:lstStyle/>
-            <a:p>
-              <a:pPr algn="ctr"/>
-              <a:endParaRPr lang="zh-TW" altLang="en-US"/>
-            </a:p>
-          </p:txBody>
-        </p:sp>
-        <p:sp>
-          <p:nvSpPr>
-            <p:cNvPr id="60" name="文字方塊 59">
-              <a:extLst>
-                <a:ext uri="{FF2B5EF4-FFF2-40B4-BE49-F238E27FC236}">
-                  <a16:creationId xmlns:a16="http://schemas.microsoft.com/office/drawing/2014/main" id="{14C6BC72-B7F1-4321-BE2D-DF6A591DBFE0}"/>
-                </a:ext>
-              </a:extLst>
-            </p:cNvPr>
-            <p:cNvSpPr txBox="1"/>
-            <p:nvPr/>
-          </p:nvSpPr>
-          <p:spPr>
-            <a:xfrm>
-              <a:off x="651688" y="1484576"/>
-              <a:ext cx="1367161" cy="338554"/>
-            </a:xfrm>
-            <a:prstGeom prst="rect">
-              <a:avLst/>
-            </a:prstGeom>
-            <a:noFill/>
-          </p:spPr>
-          <p:txBody>
-            <a:bodyPr wrap="square" rtlCol="0">
-              <a:spAutoFit/>
-            </a:bodyPr>
-            <a:lstStyle/>
-            <a:p>
-              <a:r>
-                <a:rPr lang="zh-TW" altLang="en-US" sz="1600" dirty="0">
-                  <a:latin typeface="標楷體" panose="03000509000000000000" pitchFamily="65" charset="-120"/>
-                  <a:ea typeface="標楷體" panose="03000509000000000000" pitchFamily="65" charset="-120"/>
-                </a:rPr>
-                <a:t>找像的接近</a:t>
-              </a:r>
-            </a:p>
-          </p:txBody>
-        </p:sp>
-      </p:grpSp>
-      <p:grpSp>
-        <p:nvGrpSpPr>
-          <p:cNvPr id="61" name="群組 60">
-            <a:extLst>
-              <a:ext uri="{FF2B5EF4-FFF2-40B4-BE49-F238E27FC236}">
-                <a16:creationId xmlns:a16="http://schemas.microsoft.com/office/drawing/2014/main" id="{A366D8FD-8749-4E70-B7DC-889C78AC8483}"/>
-              </a:ext>
-            </a:extLst>
-          </p:cNvPr>
-          <p:cNvGrpSpPr/>
-          <p:nvPr/>
-        </p:nvGrpSpPr>
-        <p:grpSpPr>
-          <a:xfrm>
-            <a:off x="4460727" y="3756912"/>
-            <a:ext cx="1550811" cy="584775"/>
-            <a:chOff x="639193" y="1363659"/>
-            <a:chExt cx="1550811" cy="584775"/>
-          </a:xfrm>
-        </p:grpSpPr>
-        <p:sp>
-          <p:nvSpPr>
-            <p:cNvPr id="62" name="矩形: 圓角 61">
-              <a:extLst>
-                <a:ext uri="{FF2B5EF4-FFF2-40B4-BE49-F238E27FC236}">
-                  <a16:creationId xmlns:a16="http://schemas.microsoft.com/office/drawing/2014/main" id="{80328A17-F4E1-4AB9-94F1-7162517D3F15}"/>
-                </a:ext>
-              </a:extLst>
-            </p:cNvPr>
-            <p:cNvSpPr/>
-            <p:nvPr/>
-          </p:nvSpPr>
-          <p:spPr>
-            <a:xfrm>
-              <a:off x="639193" y="1405492"/>
-              <a:ext cx="1180730" cy="495670"/>
-            </a:xfrm>
-            <a:prstGeom prst="roundRect">
-              <a:avLst/>
-            </a:prstGeom>
-            <a:noFill/>
-            <a:ln w="38100">
-              <a:solidFill>
-                <a:srgbClr val="FF0000"/>
-              </a:solidFill>
-            </a:ln>
-          </p:spPr>
-          <p:style>
-            <a:lnRef idx="2">
-              <a:schemeClr val="accent1">
-                <a:shade val="50000"/>
-              </a:schemeClr>
-            </a:lnRef>
-            <a:fillRef idx="1">
-              <a:schemeClr val="accent1"/>
-            </a:fillRef>
-            <a:effectRef idx="0">
-              <a:schemeClr val="accent1"/>
-            </a:effectRef>
-            <a:fontRef idx="minor">
-              <a:schemeClr val="lt1"/>
-            </a:fontRef>
-          </p:style>
-          <p:txBody>
-            <a:bodyPr rtlCol="0" anchor="ctr"/>
-            <a:lstStyle/>
-            <a:p>
-              <a:pPr algn="ctr"/>
-              <a:endParaRPr lang="zh-TW" altLang="en-US"/>
-            </a:p>
-          </p:txBody>
-        </p:sp>
-        <p:sp>
-          <p:nvSpPr>
-            <p:cNvPr id="63" name="文字方塊 62">
-              <a:extLst>
-                <a:ext uri="{FF2B5EF4-FFF2-40B4-BE49-F238E27FC236}">
-                  <a16:creationId xmlns:a16="http://schemas.microsoft.com/office/drawing/2014/main" id="{631015D6-2528-458E-8D91-1E44F0A67709}"/>
-                </a:ext>
-              </a:extLst>
-            </p:cNvPr>
-            <p:cNvSpPr txBox="1"/>
-            <p:nvPr/>
-          </p:nvSpPr>
-          <p:spPr>
-            <a:xfrm>
-              <a:off x="822843" y="1363659"/>
-              <a:ext cx="1367161" cy="584775"/>
-            </a:xfrm>
-            <a:prstGeom prst="rect">
-              <a:avLst/>
-            </a:prstGeom>
-            <a:noFill/>
-          </p:spPr>
-          <p:txBody>
-            <a:bodyPr wrap="square" rtlCol="0">
-              <a:spAutoFit/>
-            </a:bodyPr>
-            <a:lstStyle/>
-            <a:p>
-              <a:r>
-                <a:rPr lang="zh-TW" altLang="en-US" sz="1600" dirty="0">
-                  <a:latin typeface="Times New Roman" panose="02020603050405020304" pitchFamily="18" charset="0"/>
-                  <a:ea typeface="標楷體" panose="03000509000000000000" pitchFamily="65" charset="-120"/>
-                  <a:cs typeface="Times New Roman" panose="02020603050405020304" pitchFamily="18" charset="0"/>
-                </a:rPr>
-                <a:t>塗色</a:t>
-              </a:r>
-              <a:endParaRPr lang="en-US" altLang="zh-TW" sz="1600" dirty="0">
-                <a:latin typeface="Times New Roman" panose="02020603050405020304" pitchFamily="18" charset="0"/>
-                <a:ea typeface="標楷體" panose="03000509000000000000" pitchFamily="65" charset="-120"/>
-                <a:cs typeface="Times New Roman" panose="02020603050405020304" pitchFamily="18" charset="0"/>
-              </a:endParaRPr>
-            </a:p>
-            <a:p>
-              <a:r>
-                <a:rPr lang="en-US" altLang="zh-TW" sz="1600" dirty="0">
-                  <a:latin typeface="Times New Roman" panose="02020603050405020304" pitchFamily="18" charset="0"/>
-                  <a:ea typeface="標楷體" panose="03000509000000000000" pitchFamily="65" charset="-120"/>
-                  <a:cs typeface="Times New Roman" panose="02020603050405020304" pitchFamily="18" charset="0"/>
-                </a:rPr>
-                <a:t>Labeling</a:t>
-              </a:r>
-              <a:endParaRPr lang="zh-TW" altLang="en-US" sz="1600" dirty="0">
-                <a:latin typeface="Times New Roman" panose="02020603050405020304" pitchFamily="18" charset="0"/>
-                <a:ea typeface="標楷體" panose="03000509000000000000" pitchFamily="65" charset="-120"/>
-                <a:cs typeface="Times New Roman" panose="02020603050405020304" pitchFamily="18" charset="0"/>
-              </a:endParaRPr>
-            </a:p>
-          </p:txBody>
-        </p:sp>
-      </p:grpSp>
-      <p:grpSp>
-        <p:nvGrpSpPr>
-          <p:cNvPr id="64" name="群組 63">
-            <a:extLst>
-              <a:ext uri="{FF2B5EF4-FFF2-40B4-BE49-F238E27FC236}">
-                <a16:creationId xmlns:a16="http://schemas.microsoft.com/office/drawing/2014/main" id="{25505A52-6F5D-4B9E-866B-C24C97D18148}"/>
-              </a:ext>
-            </a:extLst>
-          </p:cNvPr>
-          <p:cNvGrpSpPr/>
-          <p:nvPr/>
-        </p:nvGrpSpPr>
-        <p:grpSpPr>
-          <a:xfrm>
-            <a:off x="3073593" y="5035118"/>
-            <a:ext cx="1367161" cy="495670"/>
-            <a:chOff x="577740" y="1405492"/>
-            <a:chExt cx="1367161" cy="495670"/>
-          </a:xfrm>
-        </p:grpSpPr>
-        <p:sp>
-          <p:nvSpPr>
-            <p:cNvPr id="65" name="矩形: 圓角 64">
-              <a:extLst>
-                <a:ext uri="{FF2B5EF4-FFF2-40B4-BE49-F238E27FC236}">
-                  <a16:creationId xmlns:a16="http://schemas.microsoft.com/office/drawing/2014/main" id="{2FD94831-9381-43A3-A068-FAF37BAC2004}"/>
-                </a:ext>
-              </a:extLst>
-            </p:cNvPr>
-            <p:cNvSpPr/>
-            <p:nvPr/>
-          </p:nvSpPr>
-          <p:spPr>
-            <a:xfrm>
-              <a:off x="639193" y="1405492"/>
-              <a:ext cx="1180730" cy="495670"/>
-            </a:xfrm>
-            <a:prstGeom prst="roundRect">
-              <a:avLst/>
-            </a:prstGeom>
-            <a:noFill/>
-            <a:ln w="38100">
-              <a:solidFill>
-                <a:srgbClr val="FF0000"/>
-              </a:solidFill>
-            </a:ln>
-          </p:spPr>
-          <p:style>
-            <a:lnRef idx="2">
-              <a:schemeClr val="accent1">
-                <a:shade val="50000"/>
-              </a:schemeClr>
-            </a:lnRef>
-            <a:fillRef idx="1">
-              <a:schemeClr val="accent1"/>
-            </a:fillRef>
-            <a:effectRef idx="0">
-              <a:schemeClr val="accent1"/>
-            </a:effectRef>
-            <a:fontRef idx="minor">
-              <a:schemeClr val="lt1"/>
-            </a:fontRef>
-          </p:style>
-          <p:txBody>
-            <a:bodyPr rtlCol="0" anchor="ctr"/>
-            <a:lstStyle/>
-            <a:p>
-              <a:pPr algn="ctr"/>
-              <a:endParaRPr lang="zh-TW" altLang="en-US" dirty="0"/>
-            </a:p>
-          </p:txBody>
-        </p:sp>
-        <p:sp>
-          <p:nvSpPr>
-            <p:cNvPr id="66" name="文字方塊 65">
-              <a:extLst>
-                <a:ext uri="{FF2B5EF4-FFF2-40B4-BE49-F238E27FC236}">
-                  <a16:creationId xmlns:a16="http://schemas.microsoft.com/office/drawing/2014/main" id="{C3F29FF2-EE57-4C11-8BA7-5F2CFCD9C8AC}"/>
-                </a:ext>
-              </a:extLst>
-            </p:cNvPr>
-            <p:cNvSpPr txBox="1"/>
-            <p:nvPr/>
-          </p:nvSpPr>
-          <p:spPr>
-            <a:xfrm>
-              <a:off x="577740" y="1484050"/>
-              <a:ext cx="1367161" cy="338554"/>
-            </a:xfrm>
-            <a:prstGeom prst="rect">
-              <a:avLst/>
-            </a:prstGeom>
-            <a:noFill/>
-          </p:spPr>
-          <p:txBody>
-            <a:bodyPr wrap="square" rtlCol="0">
-              <a:spAutoFit/>
-            </a:bodyPr>
-            <a:lstStyle/>
-            <a:p>
-              <a:r>
-                <a:rPr lang="en-US" altLang="zh-TW" sz="1600" dirty="0" err="1">
-                  <a:latin typeface="Times New Roman" panose="02020603050405020304" pitchFamily="18" charset="0"/>
-                  <a:ea typeface="標楷體" panose="03000509000000000000" pitchFamily="65" charset="-120"/>
-                  <a:cs typeface="Times New Roman" panose="02020603050405020304" pitchFamily="18" charset="0"/>
-                </a:rPr>
-                <a:t>dist</a:t>
-              </a:r>
-              <a:r>
-                <a:rPr lang="zh-TW" altLang="en-US" sz="1600" dirty="0">
-                  <a:latin typeface="標楷體" panose="03000509000000000000" pitchFamily="65" charset="-120"/>
-                  <a:ea typeface="標楷體" panose="03000509000000000000" pitchFamily="65" charset="-120"/>
-                </a:rPr>
-                <a:t>比較</a:t>
-              </a:r>
-              <a:r>
-                <a:rPr lang="en-US" altLang="zh-TW" sz="1600" dirty="0">
-                  <a:latin typeface="標楷體" panose="03000509000000000000" pitchFamily="65" charset="-120"/>
-                  <a:ea typeface="標楷體" panose="03000509000000000000" pitchFamily="65" charset="-120"/>
-                </a:rPr>
-                <a:t>&lt;</a:t>
-              </a:r>
-              <a:r>
-                <a:rPr lang="en-US" altLang="zh-TW" sz="1600" dirty="0" err="1">
-                  <a:latin typeface="Times New Roman" panose="02020603050405020304" pitchFamily="18" charset="0"/>
-                  <a:ea typeface="標楷體" panose="03000509000000000000" pitchFamily="65" charset="-120"/>
-                  <a:cs typeface="Times New Roman" panose="02020603050405020304" pitchFamily="18" charset="0"/>
-                </a:rPr>
-                <a:t>th</a:t>
-              </a:r>
-              <a:endParaRPr lang="zh-TW" altLang="en-US" sz="1600" dirty="0">
-                <a:latin typeface="Times New Roman" panose="02020603050405020304" pitchFamily="18" charset="0"/>
-                <a:ea typeface="標楷體" panose="03000509000000000000" pitchFamily="65" charset="-120"/>
-                <a:cs typeface="Times New Roman" panose="02020603050405020304" pitchFamily="18" charset="0"/>
-              </a:endParaRPr>
-            </a:p>
-          </p:txBody>
-        </p:sp>
-      </p:grpSp>
-      <p:cxnSp>
-        <p:nvCxnSpPr>
-          <p:cNvPr id="70" name="直線單箭頭接點 69">
-            <a:extLst>
-              <a:ext uri="{FF2B5EF4-FFF2-40B4-BE49-F238E27FC236}">
-                <a16:creationId xmlns:a16="http://schemas.microsoft.com/office/drawing/2014/main" id="{82DCB461-5704-41CD-B1D4-52231E4A45AC}"/>
-              </a:ext>
-            </a:extLst>
-          </p:cNvPr>
-          <p:cNvCxnSpPr>
-            <a:cxnSpLocks/>
-            <a:stCxn id="18" idx="2"/>
-            <a:endCxn id="59" idx="0"/>
-          </p:cNvCxnSpPr>
-          <p:nvPr/>
-        </p:nvCxnSpPr>
-        <p:spPr>
-          <a:xfrm flipH="1">
-            <a:off x="3719163" y="3051015"/>
-            <a:ext cx="582690" cy="764607"/>
-          </a:xfrm>
-          <a:prstGeom prst="straightConnector1">
-            <a:avLst/>
-          </a:prstGeom>
-          <a:ln>
-            <a:solidFill>
-              <a:srgbClr val="FF0000"/>
-            </a:solidFill>
             <a:tailEnd type="triangle"/>
           </a:ln>
         </p:spPr>
@@ -5020,31 +4449,31 @@
       </p:cxnSp>
       <p:cxnSp>
         <p:nvCxnSpPr>
-          <p:cNvPr id="73" name="直線單箭頭接點 72">
-            <a:extLst>
-              <a:ext uri="{FF2B5EF4-FFF2-40B4-BE49-F238E27FC236}">
-                <a16:creationId xmlns:a16="http://schemas.microsoft.com/office/drawing/2014/main" id="{1FB46B50-3F1D-48F8-A660-7D73AB487093}"/>
+          <p:cNvPr id="53" name="接點: 肘形 52">
+            <a:extLst>
+              <a:ext uri="{FF2B5EF4-FFF2-40B4-BE49-F238E27FC236}">
+                <a16:creationId xmlns:a16="http://schemas.microsoft.com/office/drawing/2014/main" id="{79A48CB3-05BE-E6C9-FC6B-E2CA6A7807D7}"/>
               </a:ext>
             </a:extLst>
           </p:cNvPr>
           <p:cNvCxnSpPr>
             <a:cxnSpLocks/>
-            <a:stCxn id="18" idx="2"/>
+            <a:stCxn id="4" idx="2"/>
+            <a:endCxn id="16" idx="0"/>
           </p:cNvCxnSpPr>
           <p:nvPr/>
         </p:nvCxnSpPr>
         <p:spPr>
-          <a:xfrm>
-            <a:off x="4301853" y="3051015"/>
-            <a:ext cx="707255" cy="723826"/>
-          </a:xfrm>
-          <a:prstGeom prst="straightConnector1">
-            <a:avLst/>
+          <a:xfrm rot="16200000" flipH="1">
+            <a:off x="7396941" y="-282678"/>
+            <a:ext cx="392041" cy="2993923"/>
+          </a:xfrm>
+          <a:prstGeom prst="bentConnector3">
+            <a:avLst>
+              <a:gd name="adj1" fmla="val 50000"/>
+            </a:avLst>
           </a:prstGeom>
-          <a:ln>
-            <a:solidFill>
-              <a:srgbClr val="FF0000"/>
-            </a:solidFill>
+          <a:ln w="19050">
             <a:tailEnd type="triangle"/>
           </a:ln>
         </p:spPr>
@@ -5065,32 +4494,31 @@
       </p:cxnSp>
       <p:cxnSp>
         <p:nvCxnSpPr>
-          <p:cNvPr id="77" name="直線單箭頭接點 76">
-            <a:extLst>
-              <a:ext uri="{FF2B5EF4-FFF2-40B4-BE49-F238E27FC236}">
-                <a16:creationId xmlns:a16="http://schemas.microsoft.com/office/drawing/2014/main" id="{11F5863D-9622-45CE-BEC1-23305BBC9DD6}"/>
+          <p:cNvPr id="56" name="接點: 肘形 55">
+            <a:extLst>
+              <a:ext uri="{FF2B5EF4-FFF2-40B4-BE49-F238E27FC236}">
+                <a16:creationId xmlns:a16="http://schemas.microsoft.com/office/drawing/2014/main" id="{2E873967-D55A-E08C-93EB-46826ECC3D57}"/>
               </a:ext>
             </a:extLst>
           </p:cNvPr>
           <p:cNvCxnSpPr>
             <a:cxnSpLocks/>
-            <a:stCxn id="59" idx="2"/>
-            <a:endCxn id="65" idx="0"/>
+            <a:stCxn id="4" idx="2"/>
+            <a:endCxn id="14" idx="0"/>
           </p:cNvCxnSpPr>
           <p:nvPr/>
         </p:nvCxnSpPr>
         <p:spPr>
-          <a:xfrm>
-            <a:off x="3719163" y="4311292"/>
-            <a:ext cx="6248" cy="723826"/>
-          </a:xfrm>
-          <a:prstGeom prst="straightConnector1">
-            <a:avLst/>
+          <a:xfrm rot="16200000" flipH="1">
+            <a:off x="6272238" y="842025"/>
+            <a:ext cx="392321" cy="744797"/>
+          </a:xfrm>
+          <a:prstGeom prst="bentConnector3">
+            <a:avLst>
+              <a:gd name="adj1" fmla="val 50000"/>
+            </a:avLst>
           </a:prstGeom>
-          <a:ln>
-            <a:solidFill>
-              <a:srgbClr val="FF0000"/>
-            </a:solidFill>
+          <a:ln w="19050">
             <a:tailEnd type="triangle"/>
           </a:ln>
         </p:spPr>
@@ -5109,80 +4537,31 @@
           </a:fontRef>
         </p:style>
       </p:cxnSp>
-      <p:sp>
-        <p:nvSpPr>
-          <p:cNvPr id="83" name="文字方塊 82">
-            <a:extLst>
-              <a:ext uri="{FF2B5EF4-FFF2-40B4-BE49-F238E27FC236}">
-                <a16:creationId xmlns:a16="http://schemas.microsoft.com/office/drawing/2014/main" id="{61A98B7C-1387-4487-AD53-C1EFDDDD2D80}"/>
-              </a:ext>
-            </a:extLst>
-          </p:cNvPr>
-          <p:cNvSpPr txBox="1"/>
-          <p:nvPr/>
-        </p:nvSpPr>
-        <p:spPr>
-          <a:xfrm>
-            <a:off x="8646850" y="5530788"/>
-            <a:ext cx="3169329" cy="646331"/>
-          </a:xfrm>
-          <a:prstGeom prst="rect">
-            <a:avLst/>
-          </a:prstGeom>
-          <a:noFill/>
-        </p:spPr>
-        <p:txBody>
-          <a:bodyPr wrap="square" rtlCol="0">
-            <a:spAutoFit/>
-          </a:bodyPr>
-          <a:lstStyle/>
-          <a:p>
-            <a:r>
-              <a:rPr lang="en-US" altLang="zh-TW" dirty="0">
-                <a:latin typeface="Times New Roman" panose="02020603050405020304" pitchFamily="18" charset="0"/>
-                <a:cs typeface="Times New Roman" panose="02020603050405020304" pitchFamily="18" charset="0"/>
-              </a:rPr>
-              <a:t>C111112131</a:t>
-            </a:r>
-          </a:p>
-          <a:p>
-            <a:r>
-              <a:rPr lang="zh-TW" altLang="en-US" dirty="0">
-                <a:latin typeface="標楷體" panose="03000509000000000000" pitchFamily="65" charset="-120"/>
-                <a:ea typeface="標楷體" panose="03000509000000000000" pitchFamily="65" charset="-120"/>
-              </a:rPr>
-              <a:t>詹逸宏</a:t>
-            </a:r>
-          </a:p>
-        </p:txBody>
-      </p:sp>
       <p:cxnSp>
         <p:nvCxnSpPr>
-          <p:cNvPr id="102" name="直線單箭頭接點 101">
-            <a:extLst>
-              <a:ext uri="{FF2B5EF4-FFF2-40B4-BE49-F238E27FC236}">
-                <a16:creationId xmlns:a16="http://schemas.microsoft.com/office/drawing/2014/main" id="{92648F35-B91D-4280-AF8B-BAB7EB9B1810}"/>
+          <p:cNvPr id="59" name="接點: 肘形 58">
+            <a:extLst>
+              <a:ext uri="{FF2B5EF4-FFF2-40B4-BE49-F238E27FC236}">
+                <a16:creationId xmlns:a16="http://schemas.microsoft.com/office/drawing/2014/main" id="{25E24E79-692F-2177-7B02-3FAB12B8296F}"/>
               </a:ext>
             </a:extLst>
           </p:cNvPr>
           <p:cNvCxnSpPr>
             <a:cxnSpLocks/>
-            <a:stCxn id="27" idx="2"/>
           </p:cNvCxnSpPr>
           <p:nvPr/>
         </p:nvCxnSpPr>
         <p:spPr>
-          <a:xfrm>
-            <a:off x="10001315" y="3051015"/>
-            <a:ext cx="0" cy="764607"/>
-          </a:xfrm>
-          <a:prstGeom prst="straightConnector1">
-            <a:avLst/>
+          <a:xfrm rot="16200000" flipH="1">
+            <a:off x="4345435" y="2499350"/>
+            <a:ext cx="493005" cy="532"/>
+          </a:xfrm>
+          <a:prstGeom prst="bentConnector3">
+            <a:avLst>
+              <a:gd name="adj1" fmla="val 50000"/>
+            </a:avLst>
           </a:prstGeom>
           <a:ln w="19050">
-            <a:solidFill>
-              <a:srgbClr val="FF0000"/>
-            </a:solidFill>
             <a:tailEnd type="triangle"/>
           </a:ln>
         </p:spPr>
@@ -5201,150 +4580,260 @@
           </a:fontRef>
         </p:style>
       </p:cxnSp>
-      <p:grpSp>
-        <p:nvGrpSpPr>
-          <p:cNvPr id="71" name="群組 70">
-            <a:extLst>
-              <a:ext uri="{FF2B5EF4-FFF2-40B4-BE49-F238E27FC236}">
-                <a16:creationId xmlns:a16="http://schemas.microsoft.com/office/drawing/2014/main" id="{FD7480ED-4F06-4EFD-AC89-5D9CF023F076}"/>
-              </a:ext>
-            </a:extLst>
-          </p:cNvPr>
-          <p:cNvGrpSpPr/>
+      <p:cxnSp>
+        <p:nvCxnSpPr>
+          <p:cNvPr id="69" name="接點: 肘形 68">
+            <a:extLst>
+              <a:ext uri="{FF2B5EF4-FFF2-40B4-BE49-F238E27FC236}">
+                <a16:creationId xmlns:a16="http://schemas.microsoft.com/office/drawing/2014/main" id="{5C93CCD5-E4A7-23E3-1477-FD7C28CFF6E2}"/>
+              </a:ext>
+            </a:extLst>
+          </p:cNvPr>
+          <p:cNvCxnSpPr>
+            <a:cxnSpLocks/>
+            <a:stCxn id="14" idx="2"/>
+            <a:endCxn id="25" idx="0"/>
+          </p:cNvCxnSpPr>
           <p:nvPr/>
-        </p:nvGrpSpPr>
-        <p:grpSpPr>
+        </p:nvCxnSpPr>
+        <p:spPr>
+          <a:xfrm rot="5400000">
+            <a:off x="6603504" y="2508825"/>
+            <a:ext cx="474587" cy="1"/>
+          </a:xfrm>
+          <a:prstGeom prst="bentConnector3">
+            <a:avLst>
+              <a:gd name="adj1" fmla="val 50000"/>
+            </a:avLst>
+          </a:prstGeom>
+          <a:ln w="19050">
+            <a:tailEnd type="triangle"/>
+          </a:ln>
+        </p:spPr>
+        <p:style>
+          <a:lnRef idx="1">
+            <a:schemeClr val="accent1"/>
+          </a:lnRef>
+          <a:fillRef idx="0">
+            <a:schemeClr val="accent1"/>
+          </a:fillRef>
+          <a:effectRef idx="0">
+            <a:schemeClr val="accent1"/>
+          </a:effectRef>
+          <a:fontRef idx="minor">
+            <a:schemeClr val="tx1"/>
+          </a:fontRef>
+        </p:style>
+      </p:cxnSp>
+      <p:cxnSp>
+        <p:nvCxnSpPr>
+          <p:cNvPr id="74" name="接點: 肘形 73">
+            <a:extLst>
+              <a:ext uri="{FF2B5EF4-FFF2-40B4-BE49-F238E27FC236}">
+                <a16:creationId xmlns:a16="http://schemas.microsoft.com/office/drawing/2014/main" id="{78D16352-6264-5DF2-1FD3-ED4D8E9C28EF}"/>
+              </a:ext>
+            </a:extLst>
+          </p:cNvPr>
+          <p:cNvCxnSpPr>
+            <a:cxnSpLocks/>
+            <a:stCxn id="15" idx="2"/>
+            <a:endCxn id="26" idx="0"/>
+          </p:cNvCxnSpPr>
+          <p:nvPr/>
+        </p:nvCxnSpPr>
+        <p:spPr>
+          <a:xfrm rot="5400000">
+            <a:off x="11068975" y="2541326"/>
+            <a:ext cx="540149" cy="1"/>
+          </a:xfrm>
+          <a:prstGeom prst="bentConnector3">
+            <a:avLst>
+              <a:gd name="adj1" fmla="val 50000"/>
+            </a:avLst>
+          </a:prstGeom>
+          <a:ln w="19050">
+            <a:tailEnd type="triangle"/>
+          </a:ln>
+        </p:spPr>
+        <p:style>
+          <a:lnRef idx="1">
+            <a:schemeClr val="accent1"/>
+          </a:lnRef>
+          <a:fillRef idx="0">
+            <a:schemeClr val="accent1"/>
+          </a:fillRef>
+          <a:effectRef idx="0">
+            <a:schemeClr val="accent1"/>
+          </a:effectRef>
+          <a:fontRef idx="minor">
+            <a:schemeClr val="tx1"/>
+          </a:fontRef>
+        </p:style>
+      </p:cxnSp>
+      <p:sp>
+        <p:nvSpPr>
+          <p:cNvPr id="77" name="文字方塊 76">
+            <a:extLst>
+              <a:ext uri="{FF2B5EF4-FFF2-40B4-BE49-F238E27FC236}">
+                <a16:creationId xmlns:a16="http://schemas.microsoft.com/office/drawing/2014/main" id="{0DF9E181-4A25-D608-684F-F9EB97E1B77A}"/>
+              </a:ext>
+            </a:extLst>
+          </p:cNvPr>
+          <p:cNvSpPr txBox="1"/>
+          <p:nvPr/>
+        </p:nvSpPr>
+        <p:spPr>
           <a:xfrm>
-            <a:off x="9481972" y="3764377"/>
-            <a:ext cx="1809391" cy="646255"/>
-            <a:chOff x="639193" y="1405492"/>
-            <a:chExt cx="1590551" cy="495670"/>
-          </a:xfrm>
-        </p:grpSpPr>
-        <p:sp>
-          <p:nvSpPr>
-            <p:cNvPr id="72" name="矩形: 圓角 71">
-              <a:extLst>
-                <a:ext uri="{FF2B5EF4-FFF2-40B4-BE49-F238E27FC236}">
-                  <a16:creationId xmlns:a16="http://schemas.microsoft.com/office/drawing/2014/main" id="{3EF9576F-8977-437A-8E4F-3BF2A0E89351}"/>
-                </a:ext>
-              </a:extLst>
-            </p:cNvPr>
-            <p:cNvSpPr/>
-            <p:nvPr/>
-          </p:nvSpPr>
-          <p:spPr>
-            <a:xfrm>
-              <a:off x="639193" y="1405492"/>
-              <a:ext cx="1180730" cy="495670"/>
-            </a:xfrm>
-            <a:prstGeom prst="roundRect">
-              <a:avLst/>
-            </a:prstGeom>
-            <a:noFill/>
-            <a:ln w="38100">
-              <a:solidFill>
-                <a:srgbClr val="FF0000"/>
-              </a:solidFill>
-            </a:ln>
-          </p:spPr>
-          <p:style>
-            <a:lnRef idx="2">
-              <a:schemeClr val="accent1">
-                <a:shade val="50000"/>
-              </a:schemeClr>
-            </a:lnRef>
-            <a:fillRef idx="1">
-              <a:schemeClr val="accent1"/>
-            </a:fillRef>
-            <a:effectRef idx="0">
-              <a:schemeClr val="accent1"/>
-            </a:effectRef>
-            <a:fontRef idx="minor">
-              <a:schemeClr val="lt1"/>
-            </a:fontRef>
-          </p:style>
-          <p:txBody>
-            <a:bodyPr rtlCol="0" anchor="ctr"/>
-            <a:lstStyle/>
-            <a:p>
-              <a:pPr algn="ctr"/>
-              <a:endParaRPr lang="zh-TW" altLang="en-US"/>
-            </a:p>
-          </p:txBody>
-        </p:sp>
-        <p:sp>
-          <p:nvSpPr>
-            <p:cNvPr id="74" name="文字方塊 73">
-              <a:extLst>
-                <a:ext uri="{FF2B5EF4-FFF2-40B4-BE49-F238E27FC236}">
-                  <a16:creationId xmlns:a16="http://schemas.microsoft.com/office/drawing/2014/main" id="{23E19466-368F-4FA9-9308-0B5D3B9FCFAB}"/>
-                </a:ext>
-              </a:extLst>
-            </p:cNvPr>
-            <p:cNvSpPr txBox="1"/>
-            <p:nvPr/>
-          </p:nvSpPr>
-          <p:spPr>
-            <a:xfrm>
-              <a:off x="666337" y="1425826"/>
-              <a:ext cx="1563407" cy="448516"/>
-            </a:xfrm>
-            <a:prstGeom prst="rect">
-              <a:avLst/>
-            </a:prstGeom>
-            <a:noFill/>
-          </p:spPr>
-          <p:txBody>
-            <a:bodyPr wrap="square" rtlCol="0">
-              <a:spAutoFit/>
-            </a:bodyPr>
-            <a:lstStyle/>
-            <a:p>
-              <a:r>
-                <a:rPr lang="en-US" altLang="zh-TW" sz="1600" dirty="0">
-                  <a:latin typeface="標楷體" panose="03000509000000000000" pitchFamily="65" charset="-120"/>
-                  <a:ea typeface="標楷體" panose="03000509000000000000" pitchFamily="65" charset="-120"/>
-                </a:rPr>
-                <a:t>sobel</a:t>
-              </a:r>
-              <a:r>
-                <a:rPr lang="zh-TW" altLang="en-US" sz="1600" dirty="0">
-                  <a:latin typeface="標楷體" panose="03000509000000000000" pitchFamily="65" charset="-120"/>
-                  <a:ea typeface="標楷體" panose="03000509000000000000" pitchFamily="65" charset="-120"/>
-                </a:rPr>
-                <a:t> </a:t>
-              </a:r>
-              <a:r>
-                <a:rPr lang="en-US" altLang="zh-TW" sz="1600" dirty="0">
-                  <a:latin typeface="標楷體" panose="03000509000000000000" pitchFamily="65" charset="-120"/>
-                  <a:ea typeface="標楷體" panose="03000509000000000000" pitchFamily="65" charset="-120"/>
-                </a:rPr>
-                <a:t>ks</a:t>
-              </a:r>
-            </a:p>
-            <a:p>
-              <a:r>
-                <a:rPr lang="en-US" altLang="zh-TW" sz="1600" dirty="0">
-                  <a:latin typeface="標楷體" panose="03000509000000000000" pitchFamily="65" charset="-120"/>
-                  <a:ea typeface="標楷體" panose="03000509000000000000" pitchFamily="65" charset="-120"/>
-                </a:rPr>
-                <a:t>d_th…</a:t>
-              </a:r>
-              <a:endParaRPr lang="zh-TW" altLang="en-US" sz="1600" dirty="0">
+            <a:off x="10909033" y="2918708"/>
+            <a:ext cx="1115820" cy="646331"/>
+          </a:xfrm>
+          <a:prstGeom prst="rect">
+            <a:avLst/>
+          </a:prstGeom>
+          <a:noFill/>
+        </p:spPr>
+        <p:txBody>
+          <a:bodyPr wrap="square" rtlCol="0">
+            <a:spAutoFit/>
+          </a:bodyPr>
+          <a:lstStyle/>
+          <a:p>
+            <a:r>
+              <a:rPr lang="en-US" altLang="zh-TW" dirty="0" err="1">
+                <a:latin typeface="Times New Roman" panose="02020603050405020304" pitchFamily="18" charset="0"/>
+                <a:ea typeface="標楷體" panose="03000509000000000000" pitchFamily="65" charset="-120"/>
+                <a:cs typeface="Times New Roman" panose="02020603050405020304" pitchFamily="18" charset="0"/>
+              </a:rPr>
+              <a:t>sobel</a:t>
+            </a:r>
+            <a:r>
+              <a:rPr lang="zh-TW" altLang="en-US" dirty="0">
+                <a:latin typeface="Times New Roman" panose="02020603050405020304" pitchFamily="18" charset="0"/>
+                <a:ea typeface="標楷體" panose="03000509000000000000" pitchFamily="65" charset="-120"/>
+                <a:cs typeface="Times New Roman" panose="02020603050405020304" pitchFamily="18" charset="0"/>
+              </a:rPr>
+              <a:t> </a:t>
+            </a:r>
+            <a:r>
+              <a:rPr lang="en-US" altLang="zh-TW" dirty="0" err="1">
+                <a:latin typeface="Times New Roman" panose="02020603050405020304" pitchFamily="18" charset="0"/>
+                <a:ea typeface="標楷體" panose="03000509000000000000" pitchFamily="65" charset="-120"/>
+                <a:cs typeface="Times New Roman" panose="02020603050405020304" pitchFamily="18" charset="0"/>
+              </a:rPr>
+              <a:t>ks</a:t>
+            </a:r>
+            <a:r>
+              <a:rPr lang="zh-TW" altLang="en-US" dirty="0">
+                <a:latin typeface="Times New Roman" panose="02020603050405020304" pitchFamily="18" charset="0"/>
+                <a:ea typeface="標楷體" panose="03000509000000000000" pitchFamily="65" charset="-120"/>
+                <a:cs typeface="Times New Roman" panose="02020603050405020304" pitchFamily="18" charset="0"/>
+              </a:rPr>
+              <a:t>、</a:t>
+            </a:r>
+            <a:endParaRPr lang="en-US" altLang="zh-TW" dirty="0">
+              <a:latin typeface="Times New Roman" panose="02020603050405020304" pitchFamily="18" charset="0"/>
+              <a:ea typeface="標楷體" panose="03000509000000000000" pitchFamily="65" charset="-120"/>
+              <a:cs typeface="Times New Roman" panose="02020603050405020304" pitchFamily="18" charset="0"/>
+            </a:endParaRPr>
+          </a:p>
+          <a:p>
+            <a:r>
+              <a:rPr lang="en-US" altLang="zh-TW" dirty="0" err="1">
+                <a:latin typeface="Times New Roman" panose="02020603050405020304" pitchFamily="18" charset="0"/>
+                <a:ea typeface="標楷體" panose="03000509000000000000" pitchFamily="65" charset="-120"/>
+                <a:cs typeface="Times New Roman" panose="02020603050405020304" pitchFamily="18" charset="0"/>
+              </a:rPr>
+              <a:t>d_th</a:t>
+            </a:r>
+            <a:r>
+              <a:rPr lang="en-US" altLang="zh-TW" dirty="0">
+                <a:latin typeface="Times New Roman" panose="02020603050405020304" pitchFamily="18" charset="0"/>
+                <a:ea typeface="標楷體" panose="03000509000000000000" pitchFamily="65" charset="-120"/>
+                <a:cs typeface="Times New Roman" panose="02020603050405020304" pitchFamily="18" charset="0"/>
+              </a:rPr>
+              <a:t>…</a:t>
+            </a:r>
+            <a:endParaRPr lang="zh-TW" altLang="en-US" dirty="0">
+              <a:latin typeface="Times New Roman" panose="02020603050405020304" pitchFamily="18" charset="0"/>
+              <a:ea typeface="標楷體" panose="03000509000000000000" pitchFamily="65" charset="-120"/>
+              <a:cs typeface="Times New Roman" panose="02020603050405020304" pitchFamily="18" charset="0"/>
+            </a:endParaRPr>
+          </a:p>
+        </p:txBody>
+      </p:sp>
+      <p:sp>
+        <p:nvSpPr>
+          <p:cNvPr id="78" name="文字方塊 77">
+            <a:extLst>
+              <a:ext uri="{FF2B5EF4-FFF2-40B4-BE49-F238E27FC236}">
+                <a16:creationId xmlns:a16="http://schemas.microsoft.com/office/drawing/2014/main" id="{82145FE1-4289-2D63-2346-EBD4F7A38BB9}"/>
+              </a:ext>
+            </a:extLst>
+          </p:cNvPr>
+          <p:cNvSpPr txBox="1"/>
+          <p:nvPr/>
+        </p:nvSpPr>
+        <p:spPr>
+          <a:xfrm>
+            <a:off x="3948105" y="4309289"/>
+            <a:ext cx="1367161" cy="369332"/>
+          </a:xfrm>
+          <a:prstGeom prst="rect">
+            <a:avLst/>
+          </a:prstGeom>
+          <a:noFill/>
+        </p:spPr>
+        <p:txBody>
+          <a:bodyPr wrap="square" rtlCol="0">
+            <a:spAutoFit/>
+          </a:bodyPr>
+          <a:lstStyle/>
+          <a:p>
+            <a:r>
+              <a:rPr lang="en-US" altLang="zh-TW" dirty="0" err="1">
+                <a:latin typeface="Times New Roman" panose="02020603050405020304" pitchFamily="18" charset="0"/>
+                <a:ea typeface="標楷體" panose="03000509000000000000" pitchFamily="65" charset="-120"/>
+                <a:cs typeface="Times New Roman" panose="02020603050405020304" pitchFamily="18" charset="0"/>
+              </a:rPr>
+              <a:t>dist</a:t>
+            </a:r>
+            <a:r>
+              <a:rPr lang="zh-TW" altLang="en-US" dirty="0">
                 <a:latin typeface="標楷體" panose="03000509000000000000" pitchFamily="65" charset="-120"/>
                 <a:ea typeface="標楷體" panose="03000509000000000000" pitchFamily="65" charset="-120"/>
-              </a:endParaRPr>
-            </a:p>
-          </p:txBody>
-        </p:sp>
-      </p:grpSp>
-      <p:sp>
-        <p:nvSpPr>
-          <p:cNvPr id="8" name="文字方塊 7">
-            <a:extLst>
-              <a:ext uri="{FF2B5EF4-FFF2-40B4-BE49-F238E27FC236}">
-                <a16:creationId xmlns:a16="http://schemas.microsoft.com/office/drawing/2014/main" id="{C479C2A4-94CF-18A1-3DD0-CAB93E698D4F}"/>
+              </a:rPr>
+              <a:t>比較</a:t>
+            </a:r>
+            <a:r>
+              <a:rPr lang="en-US" altLang="zh-TW" dirty="0">
+                <a:latin typeface="Times New Roman" panose="02020603050405020304" pitchFamily="18" charset="0"/>
+                <a:ea typeface="標楷體" panose="03000509000000000000" pitchFamily="65" charset="-120"/>
+                <a:cs typeface="Times New Roman" panose="02020603050405020304" pitchFamily="18" charset="0"/>
+              </a:rPr>
+              <a:t>&lt;</a:t>
+            </a:r>
+            <a:r>
+              <a:rPr lang="en-US" altLang="zh-TW" dirty="0" err="1">
+                <a:latin typeface="Times New Roman" panose="02020603050405020304" pitchFamily="18" charset="0"/>
+                <a:ea typeface="標楷體" panose="03000509000000000000" pitchFamily="65" charset="-120"/>
+                <a:cs typeface="Times New Roman" panose="02020603050405020304" pitchFamily="18" charset="0"/>
+              </a:rPr>
+              <a:t>th</a:t>
+            </a:r>
+            <a:endParaRPr lang="zh-TW" altLang="en-US" dirty="0">
+              <a:latin typeface="Times New Roman" panose="02020603050405020304" pitchFamily="18" charset="0"/>
+              <a:ea typeface="標楷體" panose="03000509000000000000" pitchFamily="65" charset="-120"/>
+              <a:cs typeface="Times New Roman" panose="02020603050405020304" pitchFamily="18" charset="0"/>
+            </a:endParaRPr>
+          </a:p>
+        </p:txBody>
+      </p:sp>
+      <p:sp>
+        <p:nvSpPr>
+          <p:cNvPr id="79" name="文字方塊 78">
+            <a:extLst>
+              <a:ext uri="{FF2B5EF4-FFF2-40B4-BE49-F238E27FC236}">
+                <a16:creationId xmlns:a16="http://schemas.microsoft.com/office/drawing/2014/main" id="{4B8899C3-2F2E-1D68-5F2B-E32177F44A7D}"/>
               </a:ext>
             </a:extLst>
           </p:cNvPr>
@@ -5353,7 +4842,194 @@
         </p:nvSpPr>
         <p:spPr>
           <a:xfrm>
-            <a:off x="336492" y="304800"/>
+            <a:off x="3908089" y="2964484"/>
+            <a:ext cx="1367161" cy="369332"/>
+          </a:xfrm>
+          <a:prstGeom prst="rect">
+            <a:avLst/>
+          </a:prstGeom>
+          <a:noFill/>
+        </p:spPr>
+        <p:txBody>
+          <a:bodyPr wrap="square" rtlCol="0">
+            <a:spAutoFit/>
+          </a:bodyPr>
+          <a:lstStyle/>
+          <a:p>
+            <a:r>
+              <a:rPr lang="zh-TW" altLang="en-US" dirty="0">
+                <a:latin typeface="標楷體" panose="03000509000000000000" pitchFamily="65" charset="-120"/>
+                <a:ea typeface="標楷體" panose="03000509000000000000" pitchFamily="65" charset="-120"/>
+              </a:rPr>
+              <a:t>找像的接近</a:t>
+            </a:r>
+          </a:p>
+        </p:txBody>
+      </p:sp>
+      <p:sp>
+        <p:nvSpPr>
+          <p:cNvPr id="80" name="文字方塊 79">
+            <a:extLst>
+              <a:ext uri="{FF2B5EF4-FFF2-40B4-BE49-F238E27FC236}">
+                <a16:creationId xmlns:a16="http://schemas.microsoft.com/office/drawing/2014/main" id="{15481448-7660-0D63-BEFB-C106D9A14747}"/>
+              </a:ext>
+            </a:extLst>
+          </p:cNvPr>
+          <p:cNvSpPr txBox="1"/>
+          <p:nvPr/>
+        </p:nvSpPr>
+        <p:spPr>
+          <a:xfrm>
+            <a:off x="6284530" y="2826043"/>
+            <a:ext cx="1367161" cy="646331"/>
+          </a:xfrm>
+          <a:prstGeom prst="rect">
+            <a:avLst/>
+          </a:prstGeom>
+          <a:noFill/>
+        </p:spPr>
+        <p:txBody>
+          <a:bodyPr wrap="square" rtlCol="0">
+            <a:spAutoFit/>
+          </a:bodyPr>
+          <a:lstStyle/>
+          <a:p>
+            <a:r>
+              <a:rPr lang="zh-TW" altLang="en-US" dirty="0">
+                <a:latin typeface="Times New Roman" panose="02020603050405020304" pitchFamily="18" charset="0"/>
+                <a:ea typeface="標楷體" panose="03000509000000000000" pitchFamily="65" charset="-120"/>
+                <a:cs typeface="Times New Roman" panose="02020603050405020304" pitchFamily="18" charset="0"/>
+              </a:rPr>
+              <a:t>塗色</a:t>
+            </a:r>
+            <a:endParaRPr lang="en-US" altLang="zh-TW" dirty="0">
+              <a:latin typeface="Times New Roman" panose="02020603050405020304" pitchFamily="18" charset="0"/>
+              <a:ea typeface="標楷體" panose="03000509000000000000" pitchFamily="65" charset="-120"/>
+              <a:cs typeface="Times New Roman" panose="02020603050405020304" pitchFamily="18" charset="0"/>
+            </a:endParaRPr>
+          </a:p>
+          <a:p>
+            <a:r>
+              <a:rPr lang="en-US" altLang="zh-TW" dirty="0">
+                <a:latin typeface="Times New Roman" panose="02020603050405020304" pitchFamily="18" charset="0"/>
+                <a:ea typeface="標楷體" panose="03000509000000000000" pitchFamily="65" charset="-120"/>
+                <a:cs typeface="Times New Roman" panose="02020603050405020304" pitchFamily="18" charset="0"/>
+              </a:rPr>
+              <a:t>Labeling</a:t>
+            </a:r>
+            <a:endParaRPr lang="zh-TW" altLang="en-US" dirty="0">
+              <a:latin typeface="Times New Roman" panose="02020603050405020304" pitchFamily="18" charset="0"/>
+              <a:ea typeface="標楷體" panose="03000509000000000000" pitchFamily="65" charset="-120"/>
+              <a:cs typeface="Times New Roman" panose="02020603050405020304" pitchFamily="18" charset="0"/>
+            </a:endParaRPr>
+          </a:p>
+        </p:txBody>
+      </p:sp>
+      <p:sp>
+        <p:nvSpPr>
+          <p:cNvPr id="81" name="文字方塊 80">
+            <a:extLst>
+              <a:ext uri="{FF2B5EF4-FFF2-40B4-BE49-F238E27FC236}">
+                <a16:creationId xmlns:a16="http://schemas.microsoft.com/office/drawing/2014/main" id="{27D7C351-5354-6DFF-E2CE-D612C46B2EA6}"/>
+              </a:ext>
+            </a:extLst>
+          </p:cNvPr>
+          <p:cNvSpPr txBox="1"/>
+          <p:nvPr/>
+        </p:nvSpPr>
+        <p:spPr>
+          <a:xfrm>
+            <a:off x="2251952" y="2977638"/>
+            <a:ext cx="1367161" cy="369332"/>
+          </a:xfrm>
+          <a:prstGeom prst="rect">
+            <a:avLst/>
+          </a:prstGeom>
+          <a:noFill/>
+        </p:spPr>
+        <p:txBody>
+          <a:bodyPr wrap="square" rtlCol="0">
+            <a:spAutoFit/>
+          </a:bodyPr>
+          <a:lstStyle/>
+          <a:p>
+            <a:r>
+              <a:rPr lang="en-US" altLang="zh-TW" dirty="0">
+                <a:latin typeface="Times New Roman" panose="02020603050405020304" pitchFamily="18" charset="0"/>
+                <a:ea typeface="標楷體" panose="03000509000000000000" pitchFamily="65" charset="-120"/>
+                <a:cs typeface="Times New Roman" panose="02020603050405020304" pitchFamily="18" charset="0"/>
+              </a:rPr>
+              <a:t>histogram</a:t>
+            </a:r>
+            <a:endParaRPr lang="zh-TW" altLang="en-US" dirty="0">
+              <a:latin typeface="Times New Roman" panose="02020603050405020304" pitchFamily="18" charset="0"/>
+              <a:ea typeface="標楷體" panose="03000509000000000000" pitchFamily="65" charset="-120"/>
+              <a:cs typeface="Times New Roman" panose="02020603050405020304" pitchFamily="18" charset="0"/>
+            </a:endParaRPr>
+          </a:p>
+        </p:txBody>
+      </p:sp>
+      <p:sp>
+        <p:nvSpPr>
+          <p:cNvPr id="82" name="文字方塊 81">
+            <a:extLst>
+              <a:ext uri="{FF2B5EF4-FFF2-40B4-BE49-F238E27FC236}">
+                <a16:creationId xmlns:a16="http://schemas.microsoft.com/office/drawing/2014/main" id="{F79638DA-22D3-35F6-4D1D-22BEDD969B3C}"/>
+              </a:ext>
+            </a:extLst>
+          </p:cNvPr>
+          <p:cNvSpPr txBox="1"/>
+          <p:nvPr/>
+        </p:nvSpPr>
+        <p:spPr>
+          <a:xfrm>
+            <a:off x="186971" y="2853426"/>
+            <a:ext cx="1367161" cy="646331"/>
+          </a:xfrm>
+          <a:prstGeom prst="rect">
+            <a:avLst/>
+          </a:prstGeom>
+          <a:noFill/>
+        </p:spPr>
+        <p:txBody>
+          <a:bodyPr wrap="square" rtlCol="0">
+            <a:spAutoFit/>
+          </a:bodyPr>
+          <a:lstStyle/>
+          <a:p>
+            <a:r>
+              <a:rPr lang="en-US" altLang="zh-TW" dirty="0">
+                <a:latin typeface="Times New Roman" panose="02020603050405020304" pitchFamily="18" charset="0"/>
+                <a:ea typeface="標楷體" panose="03000509000000000000" pitchFamily="65" charset="-120"/>
+                <a:cs typeface="Times New Roman" panose="02020603050405020304" pitchFamily="18" charset="0"/>
+              </a:rPr>
+              <a:t>3x3 LBP</a:t>
+            </a:r>
+            <a:r>
+              <a:rPr lang="zh-TW" altLang="en-US" dirty="0">
+                <a:latin typeface="標楷體" panose="03000509000000000000" pitchFamily="65" charset="-120"/>
+                <a:ea typeface="標楷體" panose="03000509000000000000" pitchFamily="65" charset="-120"/>
+              </a:rPr>
+              <a:t>編碼</a:t>
+            </a:r>
+          </a:p>
+        </p:txBody>
+      </p:sp>
+      <p:sp>
+        <p:nvSpPr>
+          <p:cNvPr id="83" name="文字方塊 82">
+            <a:extLst>
+              <a:ext uri="{FF2B5EF4-FFF2-40B4-BE49-F238E27FC236}">
+                <a16:creationId xmlns:a16="http://schemas.microsoft.com/office/drawing/2014/main" id="{D716F5DD-2D5F-AD73-E779-F3258AF3CA40}"/>
+              </a:ext>
+            </a:extLst>
+          </p:cNvPr>
+          <p:cNvSpPr txBox="1"/>
+          <p:nvPr/>
+        </p:nvSpPr>
+        <p:spPr>
+          <a:xfrm>
+            <a:off x="0" y="3015"/>
             <a:ext cx="4307885" cy="584775"/>
           </a:xfrm>
           <a:prstGeom prst="rect">
@@ -5399,7 +5075,7 @@
     </p:spTree>
     <p:extLst>
       <p:ext uri="{BB962C8B-B14F-4D97-AF65-F5344CB8AC3E}">
-        <p14:creationId xmlns:p14="http://schemas.microsoft.com/office/powerpoint/2010/main" val="1649495911"/>
+        <p14:creationId xmlns:p14="http://schemas.microsoft.com/office/powerpoint/2010/main" val="3503891725"/>
       </p:ext>
     </p:extLst>
   </p:cSld>
